--- a/TCC - Documento/Prototipos/Apresentação1.pptx
+++ b/TCC - Documento/Prototipos/Apresentação1.pptx
@@ -6,6 +6,7 @@
   </p:sldMasterIdLst>
   <p:sldIdLst>
     <p:sldId id="257" r:id="rId2"/>
+    <p:sldId id="258" r:id="rId3"/>
   </p:sldIdLst>
   <p:sldSz cx="12192000" cy="6858000"/>
   <p:notesSz cx="6858000" cy="9144000"/>
@@ -104,6 +105,11 @@
       </a:defRPr>
     </a:lvl9pPr>
   </p:defaultTextStyle>
+  <p:extLst>
+    <p:ext uri="{EFAFB233-063F-42B5-8137-9DF3F51BA10A}">
+      <p15:sldGuideLst xmlns:p15="http://schemas.microsoft.com/office/powerpoint/2012/main"/>
+    </p:ext>
+  </p:extLst>
 </p:presentation>
 </file>
 
@@ -149,7 +155,7 @@
           </a:lstStyle>
           <a:p>
             <a:r>
-              <a:rPr lang="pt-BR" smtClean="0"/>
+              <a:rPr lang="pt-BR"/>
               <a:t>Clique para editar o título mestre</a:t>
             </a:r>
             <a:endParaRPr lang="en-US" dirty="0"/>
@@ -214,7 +220,7 @@
           </a:lstStyle>
           <a:p>
             <a:r>
-              <a:rPr lang="pt-BR" smtClean="0"/>
+              <a:rPr lang="pt-BR"/>
               <a:t>Clique para editar o estilo do subtítulo mestre</a:t>
             </a:r>
             <a:endParaRPr lang="en-US" dirty="0"/>
@@ -238,7 +244,7 @@
           <a:p>
             <a:fld id="{10C88F69-760D-4AD8-A0D7-146B62A8692E}" type="datetimeFigureOut">
               <a:rPr lang="pt-BR" smtClean="0"/>
-              <a:t>10/03/2015</a:t>
+              <a:t>25/03/2016</a:t>
             </a:fld>
             <a:endParaRPr lang="pt-BR"/>
           </a:p>
@@ -332,7 +338,7 @@
           <a:lstStyle/>
           <a:p>
             <a:r>
-              <a:rPr lang="pt-BR" smtClean="0"/>
+              <a:rPr lang="pt-BR"/>
               <a:t>Clique para editar o título mestre</a:t>
             </a:r>
             <a:endParaRPr lang="en-US" dirty="0"/>
@@ -356,35 +362,35 @@
           <a:p>
             <a:pPr lvl="0"/>
             <a:r>
-              <a:rPr lang="pt-BR" smtClean="0"/>
+              <a:rPr lang="pt-BR"/>
               <a:t>Clique para editar o texto mestre</a:t>
             </a:r>
           </a:p>
           <a:p>
             <a:pPr lvl="1"/>
             <a:r>
-              <a:rPr lang="pt-BR" smtClean="0"/>
+              <a:rPr lang="pt-BR"/>
               <a:t>Segundo nível</a:t>
             </a:r>
           </a:p>
           <a:p>
             <a:pPr lvl="2"/>
             <a:r>
-              <a:rPr lang="pt-BR" smtClean="0"/>
+              <a:rPr lang="pt-BR"/>
               <a:t>Terceiro nível</a:t>
             </a:r>
           </a:p>
           <a:p>
             <a:pPr lvl="3"/>
             <a:r>
-              <a:rPr lang="pt-BR" smtClean="0"/>
+              <a:rPr lang="pt-BR"/>
               <a:t>Quarto nível</a:t>
             </a:r>
           </a:p>
           <a:p>
             <a:pPr lvl="4"/>
             <a:r>
-              <a:rPr lang="pt-BR" smtClean="0"/>
+              <a:rPr lang="pt-BR"/>
               <a:t>Quinto nível</a:t>
             </a:r>
             <a:endParaRPr lang="en-US" dirty="0"/>
@@ -408,7 +414,7 @@
           <a:p>
             <a:fld id="{10C88F69-760D-4AD8-A0D7-146B62A8692E}" type="datetimeFigureOut">
               <a:rPr lang="pt-BR" smtClean="0"/>
-              <a:t>10/03/2015</a:t>
+              <a:t>25/03/2016</a:t>
             </a:fld>
             <a:endParaRPr lang="pt-BR"/>
           </a:p>
@@ -507,7 +513,7 @@
           <a:lstStyle/>
           <a:p>
             <a:r>
-              <a:rPr lang="pt-BR" smtClean="0"/>
+              <a:rPr lang="pt-BR"/>
               <a:t>Clique para editar o título mestre</a:t>
             </a:r>
             <a:endParaRPr lang="en-US" dirty="0"/>
@@ -536,35 +542,35 @@
           <a:p>
             <a:pPr lvl="0"/>
             <a:r>
-              <a:rPr lang="pt-BR" smtClean="0"/>
+              <a:rPr lang="pt-BR"/>
               <a:t>Clique para editar o texto mestre</a:t>
             </a:r>
           </a:p>
           <a:p>
             <a:pPr lvl="1"/>
             <a:r>
-              <a:rPr lang="pt-BR" smtClean="0"/>
+              <a:rPr lang="pt-BR"/>
               <a:t>Segundo nível</a:t>
             </a:r>
           </a:p>
           <a:p>
             <a:pPr lvl="2"/>
             <a:r>
-              <a:rPr lang="pt-BR" smtClean="0"/>
+              <a:rPr lang="pt-BR"/>
               <a:t>Terceiro nível</a:t>
             </a:r>
           </a:p>
           <a:p>
             <a:pPr lvl="3"/>
             <a:r>
-              <a:rPr lang="pt-BR" smtClean="0"/>
+              <a:rPr lang="pt-BR"/>
               <a:t>Quarto nível</a:t>
             </a:r>
           </a:p>
           <a:p>
             <a:pPr lvl="4"/>
             <a:r>
-              <a:rPr lang="pt-BR" smtClean="0"/>
+              <a:rPr lang="pt-BR"/>
               <a:t>Quinto nível</a:t>
             </a:r>
             <a:endParaRPr lang="en-US" dirty="0"/>
@@ -588,7 +594,7 @@
           <a:p>
             <a:fld id="{10C88F69-760D-4AD8-A0D7-146B62A8692E}" type="datetimeFigureOut">
               <a:rPr lang="pt-BR" smtClean="0"/>
-              <a:t>10/03/2015</a:t>
+              <a:t>25/03/2016</a:t>
             </a:fld>
             <a:endParaRPr lang="pt-BR"/>
           </a:p>
@@ -682,7 +688,7 @@
           <a:lstStyle/>
           <a:p>
             <a:r>
-              <a:rPr lang="pt-BR" smtClean="0"/>
+              <a:rPr lang="pt-BR"/>
               <a:t>Clique para editar o título mestre</a:t>
             </a:r>
             <a:endParaRPr lang="en-US" dirty="0"/>
@@ -706,35 +712,35 @@
           <a:p>
             <a:pPr lvl="0"/>
             <a:r>
-              <a:rPr lang="pt-BR" smtClean="0"/>
+              <a:rPr lang="pt-BR"/>
               <a:t>Clique para editar o texto mestre</a:t>
             </a:r>
           </a:p>
           <a:p>
             <a:pPr lvl="1"/>
             <a:r>
-              <a:rPr lang="pt-BR" smtClean="0"/>
+              <a:rPr lang="pt-BR"/>
               <a:t>Segundo nível</a:t>
             </a:r>
           </a:p>
           <a:p>
             <a:pPr lvl="2"/>
             <a:r>
-              <a:rPr lang="pt-BR" smtClean="0"/>
+              <a:rPr lang="pt-BR"/>
               <a:t>Terceiro nível</a:t>
             </a:r>
           </a:p>
           <a:p>
             <a:pPr lvl="3"/>
             <a:r>
-              <a:rPr lang="pt-BR" smtClean="0"/>
+              <a:rPr lang="pt-BR"/>
               <a:t>Quarto nível</a:t>
             </a:r>
           </a:p>
           <a:p>
             <a:pPr lvl="4"/>
             <a:r>
-              <a:rPr lang="pt-BR" smtClean="0"/>
+              <a:rPr lang="pt-BR"/>
               <a:t>Quinto nível</a:t>
             </a:r>
             <a:endParaRPr lang="en-US" dirty="0"/>
@@ -758,7 +764,7 @@
           <a:p>
             <a:fld id="{10C88F69-760D-4AD8-A0D7-146B62A8692E}" type="datetimeFigureOut">
               <a:rPr lang="pt-BR" smtClean="0"/>
-              <a:t>10/03/2015</a:t>
+              <a:t>25/03/2016</a:t>
             </a:fld>
             <a:endParaRPr lang="pt-BR"/>
           </a:p>
@@ -861,7 +867,7 @@
           </a:lstStyle>
           <a:p>
             <a:r>
-              <a:rPr lang="pt-BR" smtClean="0"/>
+              <a:rPr lang="pt-BR"/>
               <a:t>Clique para editar o título mestre</a:t>
             </a:r>
             <a:endParaRPr lang="en-US" dirty="0"/>
@@ -981,7 +987,7 @@
           <a:p>
             <a:pPr lvl="0"/>
             <a:r>
-              <a:rPr lang="pt-BR" smtClean="0"/>
+              <a:rPr lang="pt-BR"/>
               <a:t>Clique para editar o texto mestre</a:t>
             </a:r>
           </a:p>
@@ -1004,7 +1010,7 @@
           <a:p>
             <a:fld id="{10C88F69-760D-4AD8-A0D7-146B62A8692E}" type="datetimeFigureOut">
               <a:rPr lang="pt-BR" smtClean="0"/>
-              <a:t>10/03/2015</a:t>
+              <a:t>25/03/2016</a:t>
             </a:fld>
             <a:endParaRPr lang="pt-BR"/>
           </a:p>
@@ -1098,7 +1104,7 @@
           <a:lstStyle/>
           <a:p>
             <a:r>
-              <a:rPr lang="pt-BR" smtClean="0"/>
+              <a:rPr lang="pt-BR"/>
               <a:t>Clique para editar o título mestre</a:t>
             </a:r>
             <a:endParaRPr lang="en-US" dirty="0"/>
@@ -1127,35 +1133,35 @@
           <a:p>
             <a:pPr lvl="0"/>
             <a:r>
-              <a:rPr lang="pt-BR" smtClean="0"/>
+              <a:rPr lang="pt-BR"/>
               <a:t>Clique para editar o texto mestre</a:t>
             </a:r>
           </a:p>
           <a:p>
             <a:pPr lvl="1"/>
             <a:r>
-              <a:rPr lang="pt-BR" smtClean="0"/>
+              <a:rPr lang="pt-BR"/>
               <a:t>Segundo nível</a:t>
             </a:r>
           </a:p>
           <a:p>
             <a:pPr lvl="2"/>
             <a:r>
-              <a:rPr lang="pt-BR" smtClean="0"/>
+              <a:rPr lang="pt-BR"/>
               <a:t>Terceiro nível</a:t>
             </a:r>
           </a:p>
           <a:p>
             <a:pPr lvl="3"/>
             <a:r>
-              <a:rPr lang="pt-BR" smtClean="0"/>
+              <a:rPr lang="pt-BR"/>
               <a:t>Quarto nível</a:t>
             </a:r>
           </a:p>
           <a:p>
             <a:pPr lvl="4"/>
             <a:r>
-              <a:rPr lang="pt-BR" smtClean="0"/>
+              <a:rPr lang="pt-BR"/>
               <a:t>Quinto nível</a:t>
             </a:r>
             <a:endParaRPr lang="en-US" dirty="0"/>
@@ -1184,35 +1190,35 @@
           <a:p>
             <a:pPr lvl="0"/>
             <a:r>
-              <a:rPr lang="pt-BR" smtClean="0"/>
+              <a:rPr lang="pt-BR"/>
               <a:t>Clique para editar o texto mestre</a:t>
             </a:r>
           </a:p>
           <a:p>
             <a:pPr lvl="1"/>
             <a:r>
-              <a:rPr lang="pt-BR" smtClean="0"/>
+              <a:rPr lang="pt-BR"/>
               <a:t>Segundo nível</a:t>
             </a:r>
           </a:p>
           <a:p>
             <a:pPr lvl="2"/>
             <a:r>
-              <a:rPr lang="pt-BR" smtClean="0"/>
+              <a:rPr lang="pt-BR"/>
               <a:t>Terceiro nível</a:t>
             </a:r>
           </a:p>
           <a:p>
             <a:pPr lvl="3"/>
             <a:r>
-              <a:rPr lang="pt-BR" smtClean="0"/>
+              <a:rPr lang="pt-BR"/>
               <a:t>Quarto nível</a:t>
             </a:r>
           </a:p>
           <a:p>
             <a:pPr lvl="4"/>
             <a:r>
-              <a:rPr lang="pt-BR" smtClean="0"/>
+              <a:rPr lang="pt-BR"/>
               <a:t>Quinto nível</a:t>
             </a:r>
             <a:endParaRPr lang="en-US" dirty="0"/>
@@ -1236,7 +1242,7 @@
           <a:p>
             <a:fld id="{10C88F69-760D-4AD8-A0D7-146B62A8692E}" type="datetimeFigureOut">
               <a:rPr lang="pt-BR" smtClean="0"/>
-              <a:t>10/03/2015</a:t>
+              <a:t>25/03/2016</a:t>
             </a:fld>
             <a:endParaRPr lang="pt-BR"/>
           </a:p>
@@ -1335,7 +1341,7 @@
           <a:lstStyle/>
           <a:p>
             <a:r>
-              <a:rPr lang="pt-BR" smtClean="0"/>
+              <a:rPr lang="pt-BR"/>
               <a:t>Clique para editar o título mestre</a:t>
             </a:r>
             <a:endParaRPr lang="en-US" dirty="0"/>
@@ -1401,7 +1407,7 @@
           <a:p>
             <a:pPr lvl="0"/>
             <a:r>
-              <a:rPr lang="pt-BR" smtClean="0"/>
+              <a:rPr lang="pt-BR"/>
               <a:t>Clique para editar o texto mestre</a:t>
             </a:r>
           </a:p>
@@ -1429,35 +1435,35 @@
           <a:p>
             <a:pPr lvl="0"/>
             <a:r>
-              <a:rPr lang="pt-BR" smtClean="0"/>
+              <a:rPr lang="pt-BR"/>
               <a:t>Clique para editar o texto mestre</a:t>
             </a:r>
           </a:p>
           <a:p>
             <a:pPr lvl="1"/>
             <a:r>
-              <a:rPr lang="pt-BR" smtClean="0"/>
+              <a:rPr lang="pt-BR"/>
               <a:t>Segundo nível</a:t>
             </a:r>
           </a:p>
           <a:p>
             <a:pPr lvl="2"/>
             <a:r>
-              <a:rPr lang="pt-BR" smtClean="0"/>
+              <a:rPr lang="pt-BR"/>
               <a:t>Terceiro nível</a:t>
             </a:r>
           </a:p>
           <a:p>
             <a:pPr lvl="3"/>
             <a:r>
-              <a:rPr lang="pt-BR" smtClean="0"/>
+              <a:rPr lang="pt-BR"/>
               <a:t>Quarto nível</a:t>
             </a:r>
           </a:p>
           <a:p>
             <a:pPr lvl="4"/>
             <a:r>
-              <a:rPr lang="pt-BR" smtClean="0"/>
+              <a:rPr lang="pt-BR"/>
               <a:t>Quinto nível</a:t>
             </a:r>
             <a:endParaRPr lang="en-US" dirty="0"/>
@@ -1523,7 +1529,7 @@
           <a:p>
             <a:pPr lvl="0"/>
             <a:r>
-              <a:rPr lang="pt-BR" smtClean="0"/>
+              <a:rPr lang="pt-BR"/>
               <a:t>Clique para editar o texto mestre</a:t>
             </a:r>
           </a:p>
@@ -1551,35 +1557,35 @@
           <a:p>
             <a:pPr lvl="0"/>
             <a:r>
-              <a:rPr lang="pt-BR" smtClean="0"/>
+              <a:rPr lang="pt-BR"/>
               <a:t>Clique para editar o texto mestre</a:t>
             </a:r>
           </a:p>
           <a:p>
             <a:pPr lvl="1"/>
             <a:r>
-              <a:rPr lang="pt-BR" smtClean="0"/>
+              <a:rPr lang="pt-BR"/>
               <a:t>Segundo nível</a:t>
             </a:r>
           </a:p>
           <a:p>
             <a:pPr lvl="2"/>
             <a:r>
-              <a:rPr lang="pt-BR" smtClean="0"/>
+              <a:rPr lang="pt-BR"/>
               <a:t>Terceiro nível</a:t>
             </a:r>
           </a:p>
           <a:p>
             <a:pPr lvl="3"/>
             <a:r>
-              <a:rPr lang="pt-BR" smtClean="0"/>
+              <a:rPr lang="pt-BR"/>
               <a:t>Quarto nível</a:t>
             </a:r>
           </a:p>
           <a:p>
             <a:pPr lvl="4"/>
             <a:r>
-              <a:rPr lang="pt-BR" smtClean="0"/>
+              <a:rPr lang="pt-BR"/>
               <a:t>Quinto nível</a:t>
             </a:r>
             <a:endParaRPr lang="en-US" dirty="0"/>
@@ -1603,7 +1609,7 @@
           <a:p>
             <a:fld id="{10C88F69-760D-4AD8-A0D7-146B62A8692E}" type="datetimeFigureOut">
               <a:rPr lang="pt-BR" smtClean="0"/>
-              <a:t>10/03/2015</a:t>
+              <a:t>25/03/2016</a:t>
             </a:fld>
             <a:endParaRPr lang="pt-BR"/>
           </a:p>
@@ -1697,7 +1703,7 @@
           <a:lstStyle/>
           <a:p>
             <a:r>
-              <a:rPr lang="pt-BR" smtClean="0"/>
+              <a:rPr lang="pt-BR"/>
               <a:t>Clique para editar o título mestre</a:t>
             </a:r>
             <a:endParaRPr lang="en-US" dirty="0"/>
@@ -1721,7 +1727,7 @@
           <a:p>
             <a:fld id="{10C88F69-760D-4AD8-A0D7-146B62A8692E}" type="datetimeFigureOut">
               <a:rPr lang="pt-BR" smtClean="0"/>
-              <a:t>10/03/2015</a:t>
+              <a:t>25/03/2016</a:t>
             </a:fld>
             <a:endParaRPr lang="pt-BR"/>
           </a:p>
@@ -1816,7 +1822,7 @@
           <a:p>
             <a:fld id="{10C88F69-760D-4AD8-A0D7-146B62A8692E}" type="datetimeFigureOut">
               <a:rPr lang="pt-BR" smtClean="0"/>
-              <a:t>10/03/2015</a:t>
+              <a:t>25/03/2016</a:t>
             </a:fld>
             <a:endParaRPr lang="pt-BR"/>
           </a:p>
@@ -1919,7 +1925,7 @@
           </a:lstStyle>
           <a:p>
             <a:r>
-              <a:rPr lang="pt-BR" smtClean="0"/>
+              <a:rPr lang="pt-BR"/>
               <a:t>Clique para editar o título mestre</a:t>
             </a:r>
             <a:endParaRPr lang="en-US" dirty="0"/>
@@ -1976,35 +1982,35 @@
           <a:p>
             <a:pPr lvl="0"/>
             <a:r>
-              <a:rPr lang="pt-BR" smtClean="0"/>
+              <a:rPr lang="pt-BR"/>
               <a:t>Clique para editar o texto mestre</a:t>
             </a:r>
           </a:p>
           <a:p>
             <a:pPr lvl="1"/>
             <a:r>
-              <a:rPr lang="pt-BR" smtClean="0"/>
+              <a:rPr lang="pt-BR"/>
               <a:t>Segundo nível</a:t>
             </a:r>
           </a:p>
           <a:p>
             <a:pPr lvl="2"/>
             <a:r>
-              <a:rPr lang="pt-BR" smtClean="0"/>
+              <a:rPr lang="pt-BR"/>
               <a:t>Terceiro nível</a:t>
             </a:r>
           </a:p>
           <a:p>
             <a:pPr lvl="3"/>
             <a:r>
-              <a:rPr lang="pt-BR" smtClean="0"/>
+              <a:rPr lang="pt-BR"/>
               <a:t>Quarto nível</a:t>
             </a:r>
           </a:p>
           <a:p>
             <a:pPr lvl="4"/>
             <a:r>
-              <a:rPr lang="pt-BR" smtClean="0"/>
+              <a:rPr lang="pt-BR"/>
               <a:t>Quinto nível</a:t>
             </a:r>
             <a:endParaRPr lang="en-US" dirty="0"/>
@@ -2070,7 +2076,7 @@
           <a:p>
             <a:pPr lvl="0"/>
             <a:r>
-              <a:rPr lang="pt-BR" smtClean="0"/>
+              <a:rPr lang="pt-BR"/>
               <a:t>Clique para editar o texto mestre</a:t>
             </a:r>
           </a:p>
@@ -2093,7 +2099,7 @@
           <a:p>
             <a:fld id="{10C88F69-760D-4AD8-A0D7-146B62A8692E}" type="datetimeFigureOut">
               <a:rPr lang="pt-BR" smtClean="0"/>
-              <a:t>10/03/2015</a:t>
+              <a:t>25/03/2016</a:t>
             </a:fld>
             <a:endParaRPr lang="pt-BR"/>
           </a:p>
@@ -2196,7 +2202,7 @@
           </a:lstStyle>
           <a:p>
             <a:r>
-              <a:rPr lang="pt-BR" smtClean="0"/>
+              <a:rPr lang="pt-BR"/>
               <a:t>Clique para editar o título mestre</a:t>
             </a:r>
             <a:endParaRPr lang="en-US" dirty="0"/>
@@ -2261,7 +2267,7 @@
           </a:lstStyle>
           <a:p>
             <a:r>
-              <a:rPr lang="pt-BR" smtClean="0"/>
+              <a:rPr lang="pt-BR"/>
               <a:t>Clique no ícone para adicionar uma imagem</a:t>
             </a:r>
             <a:endParaRPr lang="en-US" dirty="0"/>
@@ -2327,7 +2333,7 @@
           <a:p>
             <a:pPr lvl="0"/>
             <a:r>
-              <a:rPr lang="pt-BR" smtClean="0"/>
+              <a:rPr lang="pt-BR"/>
               <a:t>Clique para editar o texto mestre</a:t>
             </a:r>
           </a:p>
@@ -2350,7 +2356,7 @@
           <a:p>
             <a:fld id="{10C88F69-760D-4AD8-A0D7-146B62A8692E}" type="datetimeFigureOut">
               <a:rPr lang="pt-BR" smtClean="0"/>
-              <a:t>10/03/2015</a:t>
+              <a:t>25/03/2016</a:t>
             </a:fld>
             <a:endParaRPr lang="pt-BR"/>
           </a:p>
@@ -2459,7 +2465,7 @@
           <a:lstStyle/>
           <a:p>
             <a:r>
-              <a:rPr lang="pt-BR" smtClean="0"/>
+              <a:rPr lang="pt-BR"/>
               <a:t>Clique para editar o título mestre</a:t>
             </a:r>
             <a:endParaRPr lang="en-US" dirty="0"/>
@@ -2493,35 +2499,35 @@
           <a:p>
             <a:pPr lvl="0"/>
             <a:r>
-              <a:rPr lang="pt-BR" smtClean="0"/>
+              <a:rPr lang="pt-BR"/>
               <a:t>Clique para editar o texto mestre</a:t>
             </a:r>
           </a:p>
           <a:p>
             <a:pPr lvl="1"/>
             <a:r>
-              <a:rPr lang="pt-BR" smtClean="0"/>
+              <a:rPr lang="pt-BR"/>
               <a:t>Segundo nível</a:t>
             </a:r>
           </a:p>
           <a:p>
             <a:pPr lvl="2"/>
             <a:r>
-              <a:rPr lang="pt-BR" smtClean="0"/>
+              <a:rPr lang="pt-BR"/>
               <a:t>Terceiro nível</a:t>
             </a:r>
           </a:p>
           <a:p>
             <a:pPr lvl="3"/>
             <a:r>
-              <a:rPr lang="pt-BR" smtClean="0"/>
+              <a:rPr lang="pt-BR"/>
               <a:t>Quarto nível</a:t>
             </a:r>
           </a:p>
           <a:p>
             <a:pPr lvl="4"/>
             <a:r>
-              <a:rPr lang="pt-BR" smtClean="0"/>
+              <a:rPr lang="pt-BR"/>
               <a:t>Quinto nível</a:t>
             </a:r>
             <a:endParaRPr lang="en-US" dirty="0"/>
@@ -2563,7 +2569,7 @@
           <a:p>
             <a:fld id="{10C88F69-760D-4AD8-A0D7-146B62A8692E}" type="datetimeFigureOut">
               <a:rPr lang="pt-BR" smtClean="0"/>
-              <a:t>10/03/2015</a:t>
+              <a:t>25/03/2016</a:t>
             </a:fld>
             <a:endParaRPr lang="pt-BR"/>
           </a:p>
@@ -2984,8 +2990,8 @@
         </p:nvSpPr>
         <p:spPr>
           <a:xfrm>
-            <a:off x="2644463" y="2805457"/>
-            <a:ext cx="6761408" cy="1269608"/>
+            <a:off x="821635" y="2805457"/>
+            <a:ext cx="10508974" cy="1269608"/>
           </a:xfrm>
           <a:prstGeom prst="rect">
             <a:avLst/>
@@ -3023,7 +3029,7 @@
         </p:nvSpPr>
         <p:spPr>
           <a:xfrm>
-            <a:off x="3084290" y="3049724"/>
+            <a:off x="1474989" y="3064914"/>
             <a:ext cx="1392214" cy="765700"/>
           </a:xfrm>
           <a:prstGeom prst="roundRect">
@@ -3058,11 +3064,6 @@
               </a:rPr>
               <a:t>Módulo de transferência de arquivos</a:t>
             </a:r>
-            <a:endParaRPr lang="pt-BR" sz="1352" dirty="0">
-              <a:solidFill>
-                <a:schemeClr val="tx1"/>
-              </a:solidFill>
-            </a:endParaRPr>
           </a:p>
         </p:txBody>
       </p:sp>
@@ -3074,8 +3075,8 @@
         </p:nvSpPr>
         <p:spPr>
           <a:xfrm>
-            <a:off x="4916319" y="3049705"/>
-            <a:ext cx="2164559" cy="796391"/>
+            <a:off x="3814787" y="3049568"/>
+            <a:ext cx="1629639" cy="796391"/>
           </a:xfrm>
           <a:prstGeom prst="roundRect">
             <a:avLst/>
@@ -3107,7 +3108,7 @@
                   <a:schemeClr val="tx1"/>
                 </a:solidFill>
               </a:rPr>
-              <a:t>Módulo de exercícios</a:t>
+              <a:t>Módulo de testes</a:t>
             </a:r>
           </a:p>
         </p:txBody>
@@ -3120,8 +3121,8 @@
         </p:nvSpPr>
         <p:spPr>
           <a:xfrm>
-            <a:off x="4003352" y="592436"/>
-            <a:ext cx="3979356" cy="1259888"/>
+            <a:off x="3074504" y="592436"/>
+            <a:ext cx="5592418" cy="1259888"/>
           </a:xfrm>
           <a:prstGeom prst="rect">
             <a:avLst/>
@@ -3159,8 +3160,8 @@
         </p:nvSpPr>
         <p:spPr>
           <a:xfrm>
-            <a:off x="4003350" y="5016843"/>
-            <a:ext cx="3990491" cy="1216542"/>
+            <a:off x="3104110" y="5016843"/>
+            <a:ext cx="5562812" cy="1216542"/>
           </a:xfrm>
           <a:prstGeom prst="rect">
             <a:avLst/>
@@ -3198,7 +3199,7 @@
         </p:nvSpPr>
         <p:spPr>
           <a:xfrm>
-            <a:off x="2395959" y="2020737"/>
+            <a:off x="1097286" y="2117935"/>
             <a:ext cx="1420486" cy="277160"/>
           </a:xfrm>
           <a:prstGeom prst="rect">
@@ -3219,10 +3220,6 @@
               </a:rPr>
               <a:t>Upload de arquivos</a:t>
             </a:r>
-            <a:endParaRPr lang="pt-BR" sz="1200" dirty="0">
-              <a:latin typeface="Times New Roman" panose="02020603050405020304" pitchFamily="18" charset="0"/>
-              <a:cs typeface="Times New Roman" panose="02020603050405020304" pitchFamily="18" charset="0"/>
-            </a:endParaRPr>
           </a:p>
         </p:txBody>
       </p:sp>
@@ -3234,7 +3231,7 @@
         </p:nvSpPr>
         <p:spPr>
           <a:xfrm>
-            <a:off x="2328351" y="4889725"/>
+            <a:off x="1817075" y="4984878"/>
             <a:ext cx="1151807" cy="461889"/>
           </a:xfrm>
           <a:prstGeom prst="rect">
@@ -3255,23 +3252,19 @@
               </a:rPr>
               <a:t>Download de arquivos</a:t>
             </a:r>
-            <a:endParaRPr lang="pt-BR" sz="1200" dirty="0">
-              <a:latin typeface="Times New Roman" panose="02020603050405020304" pitchFamily="18" charset="0"/>
-              <a:cs typeface="Times New Roman" panose="02020603050405020304" pitchFamily="18" charset="0"/>
-            </a:endParaRPr>
-          </a:p>
-        </p:txBody>
-      </p:sp>
-      <p:sp>
-        <p:nvSpPr>
-          <p:cNvPr id="54" name="CaixaDeTexto 53"/>
+          </a:p>
+        </p:txBody>
+      </p:sp>
+      <p:sp>
+        <p:nvSpPr>
+          <p:cNvPr id="56" name="CaixaDeTexto 55"/>
           <p:cNvSpPr txBox="1"/>
           <p:nvPr/>
         </p:nvSpPr>
         <p:spPr>
           <a:xfrm>
-            <a:off x="4162032" y="2327547"/>
-            <a:ext cx="1240879" cy="461889"/>
+            <a:off x="4467775" y="1959108"/>
+            <a:ext cx="1873304" cy="830997"/>
           </a:xfrm>
           <a:prstGeom prst="rect">
             <a:avLst/>
@@ -3284,107 +3277,14 @@
           </a:bodyPr>
           <a:lstStyle/>
           <a:p>
+            <a:pPr algn="just"/>
             <a:r>
               <a:rPr lang="pt-BR" sz="1200" dirty="0">
                 <a:latin typeface="Times New Roman" panose="02020603050405020304" pitchFamily="18" charset="0"/>
                 <a:cs typeface="Times New Roman" panose="02020603050405020304" pitchFamily="18" charset="0"/>
               </a:rPr>
-              <a:t>Troca de mensagem</a:t>
-            </a:r>
-            <a:endParaRPr lang="pt-BR" sz="1200" dirty="0">
-              <a:latin typeface="Times New Roman" panose="02020603050405020304" pitchFamily="18" charset="0"/>
-              <a:cs typeface="Times New Roman" panose="02020603050405020304" pitchFamily="18" charset="0"/>
-            </a:endParaRPr>
-          </a:p>
-        </p:txBody>
-      </p:sp>
-      <p:sp>
-        <p:nvSpPr>
-          <p:cNvPr id="55" name="CaixaDeTexto 54"/>
-          <p:cNvSpPr txBox="1"/>
-          <p:nvPr/>
-        </p:nvSpPr>
-        <p:spPr>
-          <a:xfrm>
-            <a:off x="4120973" y="4294660"/>
-            <a:ext cx="997162" cy="461889"/>
-          </a:xfrm>
-          <a:prstGeom prst="rect">
-            <a:avLst/>
-          </a:prstGeom>
-          <a:noFill/>
-        </p:spPr>
-        <p:txBody>
-          <a:bodyPr wrap="square" rtlCol="0">
-            <a:spAutoFit/>
-          </a:bodyPr>
-          <a:lstStyle/>
-          <a:p>
-            <a:r>
-              <a:rPr lang="pt-BR" sz="1200" dirty="0">
-                <a:latin typeface="Times New Roman" panose="02020603050405020304" pitchFamily="18" charset="0"/>
-                <a:cs typeface="Times New Roman" panose="02020603050405020304" pitchFamily="18" charset="0"/>
-              </a:rPr>
-              <a:t>Troca de </a:t>
-            </a:r>
-          </a:p>
-          <a:p>
-            <a:r>
-              <a:rPr lang="pt-BR" sz="1200" dirty="0">
-                <a:latin typeface="Times New Roman" panose="02020603050405020304" pitchFamily="18" charset="0"/>
-                <a:cs typeface="Times New Roman" panose="02020603050405020304" pitchFamily="18" charset="0"/>
-              </a:rPr>
-              <a:t>mensagem</a:t>
-            </a:r>
-            <a:endParaRPr lang="pt-BR" sz="1200" dirty="0">
-              <a:latin typeface="Times New Roman" panose="02020603050405020304" pitchFamily="18" charset="0"/>
-              <a:cs typeface="Times New Roman" panose="02020603050405020304" pitchFamily="18" charset="0"/>
-            </a:endParaRPr>
-          </a:p>
-        </p:txBody>
-      </p:sp>
-      <p:sp>
-        <p:nvSpPr>
-          <p:cNvPr id="56" name="CaixaDeTexto 55"/>
-          <p:cNvSpPr txBox="1"/>
-          <p:nvPr/>
-        </p:nvSpPr>
-        <p:spPr>
-          <a:xfrm>
-            <a:off x="5390138" y="1999109"/>
-            <a:ext cx="1155820" cy="831350"/>
-          </a:xfrm>
-          <a:prstGeom prst="rect">
-            <a:avLst/>
-          </a:prstGeom>
-          <a:noFill/>
-        </p:spPr>
-        <p:txBody>
-          <a:bodyPr wrap="square" rtlCol="0">
-            <a:spAutoFit/>
-          </a:bodyPr>
-          <a:lstStyle/>
-          <a:p>
-            <a:r>
-              <a:rPr lang="pt-BR" sz="1200" dirty="0">
-                <a:latin typeface="Times New Roman" panose="02020603050405020304" pitchFamily="18" charset="0"/>
-                <a:cs typeface="Times New Roman" panose="02020603050405020304" pitchFamily="18" charset="0"/>
-              </a:rPr>
-              <a:t>Cadastro de testes e</a:t>
-            </a:r>
-          </a:p>
-          <a:p>
-            <a:r>
-              <a:rPr lang="pt-BR" sz="1200" dirty="0">
-                <a:latin typeface="Times New Roman" panose="02020603050405020304" pitchFamily="18" charset="0"/>
-                <a:cs typeface="Times New Roman" panose="02020603050405020304" pitchFamily="18" charset="0"/>
-              </a:rPr>
-              <a:t>Recebimento de dados</a:t>
-            </a:r>
-            <a:endParaRPr lang="pt-BR" sz="1200" dirty="0">
-              <a:latin typeface="Times New Roman" panose="02020603050405020304" pitchFamily="18" charset="0"/>
-              <a:cs typeface="Times New Roman" panose="02020603050405020304" pitchFamily="18" charset="0"/>
-            </a:endParaRPr>
+              <a:t>Cadastro de perguntas e criação de  testes, enviar testes a um grupo e  consulta de resultados.</a:t>
+            </a:r>
           </a:p>
         </p:txBody>
       </p:sp>
@@ -3396,7 +3296,7 @@
         </p:nvSpPr>
         <p:spPr>
           <a:xfrm rot="19124833">
-            <a:off x="3294595" y="2208391"/>
+            <a:off x="2542648" y="2246558"/>
             <a:ext cx="810000" cy="135000"/>
           </a:xfrm>
           <a:prstGeom prst="leftArrow">
@@ -3436,7 +3336,7 @@
         </p:nvSpPr>
         <p:spPr>
           <a:xfrm rot="16200000">
-            <a:off x="4817851" y="2273753"/>
+            <a:off x="3979644" y="2259703"/>
             <a:ext cx="694512" cy="135000"/>
           </a:xfrm>
           <a:prstGeom prst="leftArrow">
@@ -3476,7 +3376,7 @@
         </p:nvSpPr>
         <p:spPr>
           <a:xfrm>
-            <a:off x="4941882" y="1997452"/>
+            <a:off x="4053810" y="1996667"/>
             <a:ext cx="135000" cy="693900"/>
           </a:xfrm>
           <a:prstGeom prst="upArrow">
@@ -3516,7 +3416,7 @@
         </p:nvSpPr>
         <p:spPr>
           <a:xfrm rot="13828140">
-            <a:off x="7267860" y="2231936"/>
+            <a:off x="8315724" y="2233230"/>
             <a:ext cx="810000" cy="135000"/>
           </a:xfrm>
           <a:prstGeom prst="leftArrow">
@@ -3556,7 +3456,7 @@
         </p:nvSpPr>
         <p:spPr>
           <a:xfrm rot="13828140">
-            <a:off x="3288504" y="4582493"/>
+            <a:off x="2193657" y="4648846"/>
             <a:ext cx="810000" cy="135000"/>
           </a:xfrm>
           <a:prstGeom prst="leftArrow">
@@ -3596,7 +3496,7 @@
         </p:nvSpPr>
         <p:spPr>
           <a:xfrm rot="19180996">
-            <a:off x="3747287" y="4153584"/>
+            <a:off x="2687620" y="4182632"/>
             <a:ext cx="135000" cy="810000"/>
           </a:xfrm>
           <a:prstGeom prst="upArrow">
@@ -3636,7 +3536,7 @@
         </p:nvSpPr>
         <p:spPr>
           <a:xfrm rot="16200000">
-            <a:off x="4838639" y="4449636"/>
+            <a:off x="3884119" y="4505510"/>
             <a:ext cx="694512" cy="135000"/>
           </a:xfrm>
           <a:prstGeom prst="leftArrow">
@@ -3676,7 +3576,7 @@
         </p:nvSpPr>
         <p:spPr>
           <a:xfrm>
-            <a:off x="4972327" y="4163683"/>
+            <a:off x="3926599" y="4216759"/>
             <a:ext cx="135000" cy="693900"/>
           </a:xfrm>
           <a:prstGeom prst="upArrow">
@@ -3716,7 +3616,7 @@
         </p:nvSpPr>
         <p:spPr>
           <a:xfrm rot="18829417">
-            <a:off x="7422610" y="4454596"/>
+            <a:off x="8364255" y="4417926"/>
             <a:ext cx="810000" cy="135000"/>
           </a:xfrm>
           <a:prstGeom prst="leftArrow">
@@ -3756,7 +3656,7 @@
         </p:nvSpPr>
         <p:spPr>
           <a:xfrm rot="2582273">
-            <a:off x="7915206" y="4206022"/>
+            <a:off x="8848040" y="4178311"/>
             <a:ext cx="135000" cy="810000"/>
           </a:xfrm>
           <a:prstGeom prst="upArrow">
@@ -3847,10 +3747,6 @@
               </a:rPr>
               <a:t>Professor via PC</a:t>
             </a:r>
-            <a:endParaRPr lang="pt-BR" sz="1200" dirty="0">
-              <a:latin typeface="Times New Roman" panose="02020603050405020304" pitchFamily="18" charset="0"/>
-              <a:cs typeface="Times New Roman" panose="02020603050405020304" pitchFamily="18" charset="0"/>
-            </a:endParaRPr>
           </a:p>
         </p:txBody>
       </p:sp>
@@ -3876,7 +3772,7 @@
         </p:blipFill>
         <p:spPr>
           <a:xfrm>
-            <a:off x="6584276" y="734917"/>
+            <a:off x="6357502" y="759456"/>
             <a:ext cx="723372" cy="829726"/>
           </a:xfrm>
           <a:prstGeom prst="rect">
@@ -3892,7 +3788,7 @@
         </p:nvSpPr>
         <p:spPr>
           <a:xfrm>
-            <a:off x="6341761" y="1538518"/>
+            <a:off x="6101148" y="1499228"/>
             <a:ext cx="1478226" cy="277160"/>
           </a:xfrm>
           <a:prstGeom prst="rect">
@@ -3914,10 +3810,6 @@
               </a:rPr>
               <a:t>Professor via Mobile</a:t>
             </a:r>
-            <a:endParaRPr lang="pt-BR" sz="1200" dirty="0">
-              <a:latin typeface="Times New Roman" panose="02020603050405020304" pitchFamily="18" charset="0"/>
-              <a:cs typeface="Times New Roman" panose="02020603050405020304" pitchFamily="18" charset="0"/>
-            </a:endParaRPr>
           </a:p>
         </p:txBody>
       </p:sp>
@@ -3981,10 +3873,6 @@
               </a:rPr>
               <a:t>Aluno via Mobile</a:t>
             </a:r>
-            <a:endParaRPr lang="pt-BR" sz="1200" dirty="0">
-              <a:latin typeface="Times New Roman" panose="02020603050405020304" pitchFamily="18" charset="0"/>
-              <a:cs typeface="Times New Roman" panose="02020603050405020304" pitchFamily="18" charset="0"/>
-            </a:endParaRPr>
           </a:p>
         </p:txBody>
       </p:sp>
@@ -3996,7 +3884,7 @@
         </p:nvSpPr>
         <p:spPr>
           <a:xfrm rot="16200000">
-            <a:off x="6518385" y="2317879"/>
+            <a:off x="6364550" y="2343959"/>
             <a:ext cx="694512" cy="135000"/>
           </a:xfrm>
           <a:prstGeom prst="leftArrow">
@@ -4036,7 +3924,7 @@
         </p:nvSpPr>
         <p:spPr>
           <a:xfrm>
-            <a:off x="6642416" y="2031922"/>
+            <a:off x="6425806" y="2033386"/>
             <a:ext cx="135000" cy="693900"/>
           </a:xfrm>
           <a:prstGeom prst="upArrow">
@@ -4156,8 +4044,8 @@
         </p:nvSpPr>
         <p:spPr>
           <a:xfrm>
-            <a:off x="5327650" y="4167281"/>
-            <a:ext cx="1235733" cy="831350"/>
+            <a:off x="4407749" y="4326072"/>
+            <a:ext cx="1612680" cy="461665"/>
           </a:xfrm>
           <a:prstGeom prst="rect">
             <a:avLst/>
@@ -4170,98 +4058,24 @@
           </a:bodyPr>
           <a:lstStyle/>
           <a:p>
+            <a:pPr algn="just"/>
             <a:r>
               <a:rPr lang="pt-BR" sz="1200" dirty="0">
                 <a:latin typeface="Times New Roman" panose="02020603050405020304" pitchFamily="18" charset="0"/>
                 <a:cs typeface="Times New Roman" panose="02020603050405020304" pitchFamily="18" charset="0"/>
               </a:rPr>
-              <a:t>Resposta de atividades e</a:t>
-            </a:r>
-          </a:p>
-          <a:p>
+              <a:t>Resposta de testes e</a:t>
+            </a:r>
+          </a:p>
+          <a:p>
+            <a:pPr algn="just"/>
             <a:r>
               <a:rPr lang="pt-BR" sz="1200" dirty="0">
                 <a:latin typeface="Times New Roman" panose="02020603050405020304" pitchFamily="18" charset="0"/>
                 <a:cs typeface="Times New Roman" panose="02020603050405020304" pitchFamily="18" charset="0"/>
               </a:rPr>
-              <a:t>Recebimento de dados</a:t>
-            </a:r>
-            <a:endParaRPr lang="pt-BR" sz="1200" dirty="0">
-              <a:latin typeface="Times New Roman" panose="02020603050405020304" pitchFamily="18" charset="0"/>
-              <a:cs typeface="Times New Roman" panose="02020603050405020304" pitchFamily="18" charset="0"/>
-            </a:endParaRPr>
-          </a:p>
-        </p:txBody>
-      </p:sp>
-      <p:sp>
-        <p:nvSpPr>
-          <p:cNvPr id="38" name="CaixaDeTexto 37"/>
-          <p:cNvSpPr txBox="1"/>
-          <p:nvPr/>
-        </p:nvSpPr>
-        <p:spPr>
-          <a:xfrm>
-            <a:off x="8010953" y="2448820"/>
-            <a:ext cx="1460103" cy="277160"/>
-          </a:xfrm>
-          <a:prstGeom prst="rect">
-            <a:avLst/>
-          </a:prstGeom>
-          <a:noFill/>
-        </p:spPr>
-        <p:txBody>
-          <a:bodyPr wrap="square" rtlCol="0">
-            <a:spAutoFit/>
-          </a:bodyPr>
-          <a:lstStyle/>
-          <a:p>
-            <a:r>
-              <a:rPr lang="pt-BR" sz="1200" dirty="0">
-                <a:latin typeface="Times New Roman" panose="02020603050405020304" pitchFamily="18" charset="0"/>
-                <a:cs typeface="Times New Roman" panose="02020603050405020304" pitchFamily="18" charset="0"/>
-              </a:rPr>
-              <a:t>Troca de  mensagem</a:t>
-            </a:r>
-            <a:endParaRPr lang="pt-BR" sz="1200" dirty="0">
-              <a:latin typeface="Times New Roman" panose="02020603050405020304" pitchFamily="18" charset="0"/>
-              <a:cs typeface="Times New Roman" panose="02020603050405020304" pitchFamily="18" charset="0"/>
-            </a:endParaRPr>
-          </a:p>
-        </p:txBody>
-      </p:sp>
-      <p:sp>
-        <p:nvSpPr>
-          <p:cNvPr id="39" name="CaixaDeTexto 38"/>
-          <p:cNvSpPr txBox="1"/>
-          <p:nvPr/>
-        </p:nvSpPr>
-        <p:spPr>
-          <a:xfrm>
-            <a:off x="8187034" y="5351388"/>
-            <a:ext cx="1460103" cy="277160"/>
-          </a:xfrm>
-          <a:prstGeom prst="rect">
-            <a:avLst/>
-          </a:prstGeom>
-          <a:noFill/>
-        </p:spPr>
-        <p:txBody>
-          <a:bodyPr wrap="square" rtlCol="0">
-            <a:spAutoFit/>
-          </a:bodyPr>
-          <a:lstStyle/>
-          <a:p>
-            <a:r>
-              <a:rPr lang="pt-BR" sz="1200" dirty="0">
-                <a:latin typeface="Times New Roman" panose="02020603050405020304" pitchFamily="18" charset="0"/>
-                <a:cs typeface="Times New Roman" panose="02020603050405020304" pitchFamily="18" charset="0"/>
-              </a:rPr>
-              <a:t>Troca de mensagem</a:t>
-            </a:r>
-            <a:endParaRPr lang="pt-BR" sz="1200" dirty="0">
-              <a:latin typeface="Times New Roman" panose="02020603050405020304" pitchFamily="18" charset="0"/>
-              <a:cs typeface="Times New Roman" panose="02020603050405020304" pitchFamily="18" charset="0"/>
-            </a:endParaRPr>
+              <a:t>Consulta de resultados.</a:t>
+            </a:r>
           </a:p>
         </p:txBody>
       </p:sp>
@@ -4273,7 +4087,7 @@
         </p:nvSpPr>
         <p:spPr>
           <a:xfrm>
-            <a:off x="7656958" y="3073068"/>
+            <a:off x="5967634" y="3046194"/>
             <a:ext cx="1503108" cy="770288"/>
           </a:xfrm>
           <a:prstGeom prst="roundRect">
@@ -4319,8 +4133,8 @@
         </p:nvSpPr>
         <p:spPr>
           <a:xfrm>
-            <a:off x="7993842" y="1836073"/>
-            <a:ext cx="1759764" cy="646620"/>
+            <a:off x="8976764" y="1742440"/>
+            <a:ext cx="1796273" cy="830997"/>
           </a:xfrm>
           <a:prstGeom prst="rect">
             <a:avLst/>
@@ -4333,17 +4147,14 @@
           </a:bodyPr>
           <a:lstStyle/>
           <a:p>
+            <a:pPr algn="just"/>
             <a:r>
               <a:rPr lang="pt-BR" sz="1200" dirty="0">
                 <a:latin typeface="Times New Roman" panose="02020603050405020304" pitchFamily="18" charset="0"/>
                 <a:cs typeface="Times New Roman" panose="02020603050405020304" pitchFamily="18" charset="0"/>
               </a:rPr>
-              <a:t>Criar e participar de grupo, criar e comentar tópicos </a:t>
-            </a:r>
-            <a:endParaRPr lang="pt-BR" sz="1200" dirty="0">
-              <a:latin typeface="Times New Roman" panose="02020603050405020304" pitchFamily="18" charset="0"/>
-              <a:cs typeface="Times New Roman" panose="02020603050405020304" pitchFamily="18" charset="0"/>
-            </a:endParaRPr>
+              <a:t>Criar turmas, fazer chamada, enviar notas, adicionar alunos, gerenciar horários. </a:t>
+            </a:r>
           </a:p>
         </p:txBody>
       </p:sp>
@@ -4355,8 +4166,8 @@
         </p:nvSpPr>
         <p:spPr>
           <a:xfrm>
-            <a:off x="8173754" y="4569203"/>
-            <a:ext cx="1460103" cy="646620"/>
+            <a:off x="6984052" y="4187323"/>
+            <a:ext cx="1227715" cy="646620"/>
           </a:xfrm>
           <a:prstGeom prst="rect">
             <a:avLst/>
@@ -4369,6 +4180,7 @@
           </a:bodyPr>
           <a:lstStyle/>
           <a:p>
+            <a:pPr algn="just"/>
             <a:r>
               <a:rPr lang="pt-BR" sz="1200" dirty="0">
                 <a:latin typeface="Times New Roman" panose="02020603050405020304" pitchFamily="18" charset="0"/>
@@ -4376,10 +4188,118 @@
               </a:rPr>
               <a:t>Participa de grupo, cria e comenta tópicos</a:t>
             </a:r>
-            <a:endParaRPr lang="pt-BR" sz="1200" dirty="0">
-              <a:latin typeface="Times New Roman" panose="02020603050405020304" pitchFamily="18" charset="0"/>
-              <a:cs typeface="Times New Roman" panose="02020603050405020304" pitchFamily="18" charset="0"/>
-            </a:endParaRPr>
+          </a:p>
+        </p:txBody>
+      </p:sp>
+      <p:sp>
+        <p:nvSpPr>
+          <p:cNvPr id="42" name="Retângulo de cantos arredondados 30"/>
+          <p:cNvSpPr/>
+          <p:nvPr/>
+        </p:nvSpPr>
+        <p:spPr>
+          <a:xfrm>
+            <a:off x="8437578" y="3026245"/>
+            <a:ext cx="1503108" cy="770288"/>
+          </a:xfrm>
+          <a:prstGeom prst="roundRect">
+            <a:avLst/>
+          </a:prstGeom>
+          <a:noFill/>
+        </p:spPr>
+        <p:style>
+          <a:lnRef idx="2">
+            <a:schemeClr val="accent6"/>
+          </a:lnRef>
+          <a:fillRef idx="1">
+            <a:schemeClr val="lt1"/>
+          </a:fillRef>
+          <a:effectRef idx="0">
+            <a:schemeClr val="accent6"/>
+          </a:effectRef>
+          <a:fontRef idx="minor">
+            <a:schemeClr val="dk1"/>
+          </a:fontRef>
+        </p:style>
+        <p:txBody>
+          <a:bodyPr rtlCol="0" anchor="ctr"/>
+          <a:lstStyle/>
+          <a:p>
+            <a:pPr algn="ctr"/>
+            <a:r>
+              <a:rPr lang="pt-BR" sz="1352" dirty="0">
+                <a:solidFill>
+                  <a:schemeClr val="tx1"/>
+                </a:solidFill>
+              </a:rPr>
+              <a:t>Módulo de gerenciamento de turmas</a:t>
+            </a:r>
+          </a:p>
+        </p:txBody>
+      </p:sp>
+      <p:sp>
+        <p:nvSpPr>
+          <p:cNvPr id="44" name="CaixaDeTexto 43"/>
+          <p:cNvSpPr txBox="1"/>
+          <p:nvPr/>
+        </p:nvSpPr>
+        <p:spPr>
+          <a:xfrm>
+            <a:off x="6975782" y="2199232"/>
+            <a:ext cx="1350372" cy="461665"/>
+          </a:xfrm>
+          <a:prstGeom prst="rect">
+            <a:avLst/>
+          </a:prstGeom>
+          <a:noFill/>
+        </p:spPr>
+        <p:txBody>
+          <a:bodyPr wrap="square" rtlCol="0">
+            <a:spAutoFit/>
+          </a:bodyPr>
+          <a:lstStyle/>
+          <a:p>
+            <a:pPr algn="just"/>
+            <a:r>
+              <a:rPr lang="pt-BR" sz="1200" dirty="0">
+                <a:latin typeface="Times New Roman" panose="02020603050405020304" pitchFamily="18" charset="0"/>
+                <a:cs typeface="Times New Roman" panose="02020603050405020304" pitchFamily="18" charset="0"/>
+              </a:rPr>
+              <a:t>Criar grupo, criar e comentar tópicos </a:t>
+            </a:r>
+          </a:p>
+        </p:txBody>
+      </p:sp>
+      <p:sp>
+        <p:nvSpPr>
+          <p:cNvPr id="45" name="CaixaDeTexto 44"/>
+          <p:cNvSpPr txBox="1"/>
+          <p:nvPr/>
+        </p:nvSpPr>
+        <p:spPr>
+          <a:xfrm>
+            <a:off x="9071265" y="4583310"/>
+            <a:ext cx="1350372" cy="646331"/>
+          </a:xfrm>
+          <a:prstGeom prst="rect">
+            <a:avLst/>
+          </a:prstGeom>
+          <a:noFill/>
+        </p:spPr>
+        <p:txBody>
+          <a:bodyPr wrap="square" rtlCol="0">
+            <a:spAutoFit/>
+          </a:bodyPr>
+          <a:lstStyle/>
+          <a:p>
+            <a:pPr algn="just"/>
+            <a:r>
+              <a:rPr lang="pt-BR" sz="1200" dirty="0">
+                <a:latin typeface="Times New Roman" panose="02020603050405020304" pitchFamily="18" charset="0"/>
+                <a:cs typeface="Times New Roman" panose="02020603050405020304" pitchFamily="18" charset="0"/>
+              </a:rPr>
+              <a:t>Visualizar notas, frequências e horários. </a:t>
+            </a:r>
           </a:p>
         </p:txBody>
       </p:sp>
@@ -4393,21 +4313,36 @@
   <p:clrMapOvr>
     <a:masterClrMapping/>
   </p:clrMapOvr>
-  <mc:AlternateContent xmlns:mc="http://schemas.openxmlformats.org/markup-compatibility/2006">
-    <mc:Choice xmlns:p14="http://schemas.microsoft.com/office/powerpoint/2010/main" Requires="p14">
-      <p:transition spd="slow" p14:dur="2000"/>
-    </mc:Choice>
-    <mc:Fallback>
-      <p:transition spd="slow"/>
-    </mc:Fallback>
-  </mc:AlternateContent>
-  <p:timing>
-    <p:tnLst>
-      <p:par>
-        <p:cTn id="1" dur="indefinite" restart="never" nodeType="tmRoot"/>
-      </p:par>
-    </p:tnLst>
-  </p:timing>
+</p:sld>
+</file>
+
+<file path=ppt/slides/slide2.xml><?xml version="1.0" encoding="utf-8"?>
+<p:sld xmlns:a="http://schemas.openxmlformats.org/drawingml/2006/main" xmlns:r="http://schemas.openxmlformats.org/officeDocument/2006/relationships" xmlns:p="http://schemas.openxmlformats.org/presentationml/2006/main">
+  <p:cSld>
+    <p:spTree>
+      <p:nvGrpSpPr>
+        <p:cNvPr id="1" name=""/>
+        <p:cNvGrpSpPr/>
+        <p:nvPr/>
+      </p:nvGrpSpPr>
+      <p:grpSpPr>
+        <a:xfrm>
+          <a:off x="0" y="0"/>
+          <a:ext cx="0" cy="0"/>
+          <a:chOff x="0" y="0"/>
+          <a:chExt cx="0" cy="0"/>
+        </a:xfrm>
+      </p:grpSpPr>
+    </p:spTree>
+    <p:extLst>
+      <p:ext uri="{BB962C8B-B14F-4D97-AF65-F5344CB8AC3E}">
+        <p14:creationId xmlns:p14="http://schemas.microsoft.com/office/powerpoint/2010/main" val="3968728779"/>
+      </p:ext>
+    </p:extLst>
+  </p:cSld>
+  <p:clrMapOvr>
+    <a:masterClrMapping/>
+  </p:clrMapOvr>
 </p:sld>
 </file>
 

--- a/TCC - Documento/Prototipos/Apresentação1.pptx
+++ b/TCC - Documento/Prototipos/Apresentação1.pptx
@@ -185,35 +185,35 @@
               <a:buNone/>
               <a:defRPr sz="2400"/>
             </a:lvl1pPr>
-            <a:lvl2pPr marL="457200" indent="0" algn="ctr">
+            <a:lvl2pPr marL="457189" indent="0" algn="ctr">
               <a:buNone/>
               <a:defRPr sz="2000"/>
             </a:lvl2pPr>
-            <a:lvl3pPr marL="914399" indent="0" algn="ctr">
+            <a:lvl3pPr marL="914376" indent="0" algn="ctr">
               <a:buNone/>
               <a:defRPr sz="1800"/>
             </a:lvl3pPr>
-            <a:lvl4pPr marL="1371598" indent="0" algn="ctr">
+            <a:lvl4pPr marL="1371564" indent="0" algn="ctr">
               <a:buNone/>
               <a:defRPr sz="1600"/>
             </a:lvl4pPr>
-            <a:lvl5pPr marL="1828798" indent="0" algn="ctr">
+            <a:lvl5pPr marL="1828753" indent="0" algn="ctr">
               <a:buNone/>
               <a:defRPr sz="1600"/>
             </a:lvl5pPr>
-            <a:lvl6pPr marL="2285998" indent="0" algn="ctr">
+            <a:lvl6pPr marL="2285942" indent="0" algn="ctr">
               <a:buNone/>
               <a:defRPr sz="1600"/>
             </a:lvl6pPr>
-            <a:lvl7pPr marL="2743197" indent="0" algn="ctr">
+            <a:lvl7pPr marL="2743129" indent="0" algn="ctr">
               <a:buNone/>
               <a:defRPr sz="1600"/>
             </a:lvl7pPr>
-            <a:lvl8pPr marL="3200397" indent="0" algn="ctr">
+            <a:lvl8pPr marL="3200317" indent="0" algn="ctr">
               <a:buNone/>
               <a:defRPr sz="1600"/>
             </a:lvl8pPr>
-            <a:lvl9pPr marL="3657596" indent="0" algn="ctr">
+            <a:lvl9pPr marL="3657505" indent="0" algn="ctr">
               <a:buNone/>
               <a:defRPr sz="1600"/>
             </a:lvl9pPr>
@@ -244,7 +244,7 @@
           <a:p>
             <a:fld id="{10C88F69-760D-4AD8-A0D7-146B62A8692E}" type="datetimeFigureOut">
               <a:rPr lang="pt-BR" smtClean="0"/>
-              <a:t>25/03/2016</a:t>
+              <a:t>02/04/2016</a:t>
             </a:fld>
             <a:endParaRPr lang="pt-BR"/>
           </a:p>
@@ -414,7 +414,7 @@
           <a:p>
             <a:fld id="{10C88F69-760D-4AD8-A0D7-146B62A8692E}" type="datetimeFigureOut">
               <a:rPr lang="pt-BR" smtClean="0"/>
-              <a:t>25/03/2016</a:t>
+              <a:t>02/04/2016</a:t>
             </a:fld>
             <a:endParaRPr lang="pt-BR"/>
           </a:p>
@@ -504,7 +504,7 @@
         </p:nvSpPr>
         <p:spPr>
           <a:xfrm>
-            <a:off x="8724900" y="365125"/>
+            <a:off x="8724901" y="365125"/>
             <a:ext cx="2628900" cy="5811838"/>
           </a:xfrm>
         </p:spPr>
@@ -532,7 +532,7 @@
         </p:nvSpPr>
         <p:spPr>
           <a:xfrm>
-            <a:off x="838200" y="365125"/>
+            <a:off x="838201" y="365125"/>
             <a:ext cx="7734300" cy="5811838"/>
           </a:xfrm>
         </p:spPr>
@@ -594,7 +594,7 @@
           <a:p>
             <a:fld id="{10C88F69-760D-4AD8-A0D7-146B62A8692E}" type="datetimeFigureOut">
               <a:rPr lang="pt-BR" smtClean="0"/>
-              <a:t>25/03/2016</a:t>
+              <a:t>02/04/2016</a:t>
             </a:fld>
             <a:endParaRPr lang="pt-BR"/>
           </a:p>
@@ -764,7 +764,7 @@
           <a:p>
             <a:fld id="{10C88F69-760D-4AD8-A0D7-146B62A8692E}" type="datetimeFigureOut">
               <a:rPr lang="pt-BR" smtClean="0"/>
-              <a:t>25/03/2016</a:t>
+              <a:t>02/04/2016</a:t>
             </a:fld>
             <a:endParaRPr lang="pt-BR"/>
           </a:p>
@@ -854,7 +854,7 @@
         </p:nvSpPr>
         <p:spPr>
           <a:xfrm>
-            <a:off x="831850" y="1709739"/>
+            <a:off x="831851" y="1709741"/>
             <a:ext cx="10515600" cy="2852737"/>
           </a:xfrm>
         </p:spPr>
@@ -886,7 +886,7 @@
         </p:nvSpPr>
         <p:spPr>
           <a:xfrm>
-            <a:off x="831850" y="4589463"/>
+            <a:off x="831851" y="4589465"/>
             <a:ext cx="10515600" cy="1500187"/>
           </a:xfrm>
         </p:spPr>
@@ -903,7 +903,7 @@
                 </a:solidFill>
               </a:defRPr>
             </a:lvl1pPr>
-            <a:lvl2pPr marL="457200" indent="0">
+            <a:lvl2pPr marL="457189" indent="0">
               <a:buNone/>
               <a:defRPr sz="2000">
                 <a:solidFill>
@@ -913,7 +913,7 @@
                 </a:solidFill>
               </a:defRPr>
             </a:lvl2pPr>
-            <a:lvl3pPr marL="914399" indent="0">
+            <a:lvl3pPr marL="914376" indent="0">
               <a:buNone/>
               <a:defRPr sz="1800">
                 <a:solidFill>
@@ -923,7 +923,7 @@
                 </a:solidFill>
               </a:defRPr>
             </a:lvl3pPr>
-            <a:lvl4pPr marL="1371598" indent="0">
+            <a:lvl4pPr marL="1371564" indent="0">
               <a:buNone/>
               <a:defRPr sz="1600">
                 <a:solidFill>
@@ -933,7 +933,7 @@
                 </a:solidFill>
               </a:defRPr>
             </a:lvl4pPr>
-            <a:lvl5pPr marL="1828798" indent="0">
+            <a:lvl5pPr marL="1828753" indent="0">
               <a:buNone/>
               <a:defRPr sz="1600">
                 <a:solidFill>
@@ -943,7 +943,7 @@
                 </a:solidFill>
               </a:defRPr>
             </a:lvl5pPr>
-            <a:lvl6pPr marL="2285998" indent="0">
+            <a:lvl6pPr marL="2285942" indent="0">
               <a:buNone/>
               <a:defRPr sz="1600">
                 <a:solidFill>
@@ -953,7 +953,7 @@
                 </a:solidFill>
               </a:defRPr>
             </a:lvl6pPr>
-            <a:lvl7pPr marL="2743197" indent="0">
+            <a:lvl7pPr marL="2743129" indent="0">
               <a:buNone/>
               <a:defRPr sz="1600">
                 <a:solidFill>
@@ -963,7 +963,7 @@
                 </a:solidFill>
               </a:defRPr>
             </a:lvl7pPr>
-            <a:lvl8pPr marL="3200397" indent="0">
+            <a:lvl8pPr marL="3200317" indent="0">
               <a:buNone/>
               <a:defRPr sz="1600">
                 <a:solidFill>
@@ -973,7 +973,7 @@
                 </a:solidFill>
               </a:defRPr>
             </a:lvl8pPr>
-            <a:lvl9pPr marL="3657596" indent="0">
+            <a:lvl9pPr marL="3657505" indent="0">
               <a:buNone/>
               <a:defRPr sz="1600">
                 <a:solidFill>
@@ -1010,7 +1010,7 @@
           <a:p>
             <a:fld id="{10C88F69-760D-4AD8-A0D7-146B62A8692E}" type="datetimeFigureOut">
               <a:rPr lang="pt-BR" smtClean="0"/>
-              <a:t>25/03/2016</a:t>
+              <a:t>02/04/2016</a:t>
             </a:fld>
             <a:endParaRPr lang="pt-BR"/>
           </a:p>
@@ -1123,7 +1123,7 @@
         </p:nvSpPr>
         <p:spPr>
           <a:xfrm>
-            <a:off x="838200" y="1825625"/>
+            <a:off x="838201" y="1825625"/>
             <a:ext cx="5181601" cy="4351338"/>
           </a:xfrm>
         </p:spPr>
@@ -1180,7 +1180,7 @@
         </p:nvSpPr>
         <p:spPr>
           <a:xfrm>
-            <a:off x="6172200" y="1825625"/>
+            <a:off x="6172201" y="1825625"/>
             <a:ext cx="5181601" cy="4351338"/>
           </a:xfrm>
         </p:spPr>
@@ -1242,7 +1242,7 @@
           <a:p>
             <a:fld id="{10C88F69-760D-4AD8-A0D7-146B62A8692E}" type="datetimeFigureOut">
               <a:rPr lang="pt-BR" smtClean="0"/>
-              <a:t>25/03/2016</a:t>
+              <a:t>02/04/2016</a:t>
             </a:fld>
             <a:endParaRPr lang="pt-BR"/>
           </a:p>
@@ -1332,7 +1332,7 @@
         </p:nvSpPr>
         <p:spPr>
           <a:xfrm>
-            <a:off x="839788" y="365125"/>
+            <a:off x="839788" y="365127"/>
             <a:ext cx="10515600" cy="1325563"/>
           </a:xfrm>
         </p:spPr>
@@ -1371,35 +1371,35 @@
               <a:buNone/>
               <a:defRPr sz="2400" b="1"/>
             </a:lvl1pPr>
-            <a:lvl2pPr marL="457200" indent="0">
+            <a:lvl2pPr marL="457189" indent="0">
               <a:buNone/>
               <a:defRPr sz="2000" b="1"/>
             </a:lvl2pPr>
-            <a:lvl3pPr marL="914399" indent="0">
+            <a:lvl3pPr marL="914376" indent="0">
               <a:buNone/>
               <a:defRPr sz="1800" b="1"/>
             </a:lvl3pPr>
-            <a:lvl4pPr marL="1371598" indent="0">
+            <a:lvl4pPr marL="1371564" indent="0">
               <a:buNone/>
               <a:defRPr sz="1600" b="1"/>
             </a:lvl4pPr>
-            <a:lvl5pPr marL="1828798" indent="0">
+            <a:lvl5pPr marL="1828753" indent="0">
               <a:buNone/>
               <a:defRPr sz="1600" b="1"/>
             </a:lvl5pPr>
-            <a:lvl6pPr marL="2285998" indent="0">
+            <a:lvl6pPr marL="2285942" indent="0">
               <a:buNone/>
               <a:defRPr sz="1600" b="1"/>
             </a:lvl6pPr>
-            <a:lvl7pPr marL="2743197" indent="0">
+            <a:lvl7pPr marL="2743129" indent="0">
               <a:buNone/>
               <a:defRPr sz="1600" b="1"/>
             </a:lvl7pPr>
-            <a:lvl8pPr marL="3200397" indent="0">
+            <a:lvl8pPr marL="3200317" indent="0">
               <a:buNone/>
               <a:defRPr sz="1600" b="1"/>
             </a:lvl8pPr>
-            <a:lvl9pPr marL="3657596" indent="0">
+            <a:lvl9pPr marL="3657505" indent="0">
               <a:buNone/>
               <a:defRPr sz="1600" b="1"/>
             </a:lvl9pPr>
@@ -1482,7 +1482,7 @@
         </p:nvSpPr>
         <p:spPr>
           <a:xfrm>
-            <a:off x="6172201" y="1681164"/>
+            <a:off x="6172202" y="1681164"/>
             <a:ext cx="5183188" cy="823912"/>
           </a:xfrm>
         </p:spPr>
@@ -1493,35 +1493,35 @@
               <a:buNone/>
               <a:defRPr sz="2400" b="1"/>
             </a:lvl1pPr>
-            <a:lvl2pPr marL="457200" indent="0">
+            <a:lvl2pPr marL="457189" indent="0">
               <a:buNone/>
               <a:defRPr sz="2000" b="1"/>
             </a:lvl2pPr>
-            <a:lvl3pPr marL="914399" indent="0">
+            <a:lvl3pPr marL="914376" indent="0">
               <a:buNone/>
               <a:defRPr sz="1800" b="1"/>
             </a:lvl3pPr>
-            <a:lvl4pPr marL="1371598" indent="0">
+            <a:lvl4pPr marL="1371564" indent="0">
               <a:buNone/>
               <a:defRPr sz="1600" b="1"/>
             </a:lvl4pPr>
-            <a:lvl5pPr marL="1828798" indent="0">
+            <a:lvl5pPr marL="1828753" indent="0">
               <a:buNone/>
               <a:defRPr sz="1600" b="1"/>
             </a:lvl5pPr>
-            <a:lvl6pPr marL="2285998" indent="0">
+            <a:lvl6pPr marL="2285942" indent="0">
               <a:buNone/>
               <a:defRPr sz="1600" b="1"/>
             </a:lvl6pPr>
-            <a:lvl7pPr marL="2743197" indent="0">
+            <a:lvl7pPr marL="2743129" indent="0">
               <a:buNone/>
               <a:defRPr sz="1600" b="1"/>
             </a:lvl7pPr>
-            <a:lvl8pPr marL="3200397" indent="0">
+            <a:lvl8pPr marL="3200317" indent="0">
               <a:buNone/>
               <a:defRPr sz="1600" b="1"/>
             </a:lvl8pPr>
-            <a:lvl9pPr marL="3657596" indent="0">
+            <a:lvl9pPr marL="3657505" indent="0">
               <a:buNone/>
               <a:defRPr sz="1600" b="1"/>
             </a:lvl9pPr>
@@ -1547,7 +1547,7 @@
         </p:nvSpPr>
         <p:spPr>
           <a:xfrm>
-            <a:off x="6172201" y="2505075"/>
+            <a:off x="6172202" y="2505075"/>
             <a:ext cx="5183188" cy="3684588"/>
           </a:xfrm>
         </p:spPr>
@@ -1609,7 +1609,7 @@
           <a:p>
             <a:fld id="{10C88F69-760D-4AD8-A0D7-146B62A8692E}" type="datetimeFigureOut">
               <a:rPr lang="pt-BR" smtClean="0"/>
-              <a:t>25/03/2016</a:t>
+              <a:t>02/04/2016</a:t>
             </a:fld>
             <a:endParaRPr lang="pt-BR"/>
           </a:p>
@@ -1727,7 +1727,7 @@
           <a:p>
             <a:fld id="{10C88F69-760D-4AD8-A0D7-146B62A8692E}" type="datetimeFigureOut">
               <a:rPr lang="pt-BR" smtClean="0"/>
-              <a:t>25/03/2016</a:t>
+              <a:t>02/04/2016</a:t>
             </a:fld>
             <a:endParaRPr lang="pt-BR"/>
           </a:p>
@@ -1822,7 +1822,7 @@
           <a:p>
             <a:fld id="{10C88F69-760D-4AD8-A0D7-146B62A8692E}" type="datetimeFigureOut">
               <a:rPr lang="pt-BR" smtClean="0"/>
-              <a:t>25/03/2016</a:t>
+              <a:t>02/04/2016</a:t>
             </a:fld>
             <a:endParaRPr lang="pt-BR"/>
           </a:p>
@@ -1912,7 +1912,7 @@
         </p:nvSpPr>
         <p:spPr>
           <a:xfrm>
-            <a:off x="839789" y="457200"/>
+            <a:off x="839790" y="457200"/>
             <a:ext cx="3932237" cy="1600200"/>
           </a:xfrm>
         </p:spPr>
@@ -1944,7 +1944,7 @@
         </p:nvSpPr>
         <p:spPr>
           <a:xfrm>
-            <a:off x="5183189" y="987426"/>
+            <a:off x="5183189" y="987428"/>
             <a:ext cx="6172200" cy="4873625"/>
           </a:xfrm>
         </p:spPr>
@@ -2029,7 +2029,7 @@
         </p:nvSpPr>
         <p:spPr>
           <a:xfrm>
-            <a:off x="839789" y="2057401"/>
+            <a:off x="839790" y="2057401"/>
             <a:ext cx="3932237" cy="3811588"/>
           </a:xfrm>
         </p:spPr>
@@ -2040,35 +2040,35 @@
               <a:buNone/>
               <a:defRPr sz="1600"/>
             </a:lvl1pPr>
-            <a:lvl2pPr marL="457200" indent="0">
+            <a:lvl2pPr marL="457189" indent="0">
               <a:buNone/>
               <a:defRPr sz="1400"/>
             </a:lvl2pPr>
-            <a:lvl3pPr marL="914399" indent="0">
+            <a:lvl3pPr marL="914376" indent="0">
               <a:buNone/>
               <a:defRPr sz="1200"/>
             </a:lvl3pPr>
-            <a:lvl4pPr marL="1371598" indent="0">
+            <a:lvl4pPr marL="1371564" indent="0">
               <a:buNone/>
               <a:defRPr sz="1000"/>
             </a:lvl4pPr>
-            <a:lvl5pPr marL="1828798" indent="0">
+            <a:lvl5pPr marL="1828753" indent="0">
               <a:buNone/>
               <a:defRPr sz="1000"/>
             </a:lvl5pPr>
-            <a:lvl6pPr marL="2285998" indent="0">
+            <a:lvl6pPr marL="2285942" indent="0">
               <a:buNone/>
               <a:defRPr sz="1000"/>
             </a:lvl6pPr>
-            <a:lvl7pPr marL="2743197" indent="0">
+            <a:lvl7pPr marL="2743129" indent="0">
               <a:buNone/>
               <a:defRPr sz="1000"/>
             </a:lvl7pPr>
-            <a:lvl8pPr marL="3200397" indent="0">
+            <a:lvl8pPr marL="3200317" indent="0">
               <a:buNone/>
               <a:defRPr sz="1000"/>
             </a:lvl8pPr>
-            <a:lvl9pPr marL="3657596" indent="0">
+            <a:lvl9pPr marL="3657505" indent="0">
               <a:buNone/>
               <a:defRPr sz="1000"/>
             </a:lvl9pPr>
@@ -2099,7 +2099,7 @@
           <a:p>
             <a:fld id="{10C88F69-760D-4AD8-A0D7-146B62A8692E}" type="datetimeFigureOut">
               <a:rPr lang="pt-BR" smtClean="0"/>
-              <a:t>25/03/2016</a:t>
+              <a:t>02/04/2016</a:t>
             </a:fld>
             <a:endParaRPr lang="pt-BR"/>
           </a:p>
@@ -2189,7 +2189,7 @@
         </p:nvSpPr>
         <p:spPr>
           <a:xfrm>
-            <a:off x="839789" y="457200"/>
+            <a:off x="839790" y="457200"/>
             <a:ext cx="3932237" cy="1600200"/>
           </a:xfrm>
         </p:spPr>
@@ -2221,7 +2221,7 @@
         </p:nvSpPr>
         <p:spPr>
           <a:xfrm>
-            <a:off x="5183189" y="987426"/>
+            <a:off x="5183189" y="987428"/>
             <a:ext cx="6172200" cy="4873625"/>
           </a:xfrm>
         </p:spPr>
@@ -2232,35 +2232,35 @@
               <a:buNone/>
               <a:defRPr sz="3200"/>
             </a:lvl1pPr>
-            <a:lvl2pPr marL="457200" indent="0">
+            <a:lvl2pPr marL="457189" indent="0">
               <a:buNone/>
               <a:defRPr sz="2800"/>
             </a:lvl2pPr>
-            <a:lvl3pPr marL="914399" indent="0">
+            <a:lvl3pPr marL="914376" indent="0">
               <a:buNone/>
               <a:defRPr sz="2400"/>
             </a:lvl3pPr>
-            <a:lvl4pPr marL="1371598" indent="0">
+            <a:lvl4pPr marL="1371564" indent="0">
               <a:buNone/>
               <a:defRPr sz="2000"/>
             </a:lvl4pPr>
-            <a:lvl5pPr marL="1828798" indent="0">
+            <a:lvl5pPr marL="1828753" indent="0">
               <a:buNone/>
               <a:defRPr sz="2000"/>
             </a:lvl5pPr>
-            <a:lvl6pPr marL="2285998" indent="0">
+            <a:lvl6pPr marL="2285942" indent="0">
               <a:buNone/>
               <a:defRPr sz="2000"/>
             </a:lvl6pPr>
-            <a:lvl7pPr marL="2743197" indent="0">
+            <a:lvl7pPr marL="2743129" indent="0">
               <a:buNone/>
               <a:defRPr sz="2000"/>
             </a:lvl7pPr>
-            <a:lvl8pPr marL="3200397" indent="0">
+            <a:lvl8pPr marL="3200317" indent="0">
               <a:buNone/>
               <a:defRPr sz="2000"/>
             </a:lvl8pPr>
-            <a:lvl9pPr marL="3657596" indent="0">
+            <a:lvl9pPr marL="3657505" indent="0">
               <a:buNone/>
               <a:defRPr sz="2000"/>
             </a:lvl9pPr>
@@ -2286,7 +2286,7 @@
         </p:nvSpPr>
         <p:spPr>
           <a:xfrm>
-            <a:off x="839789" y="2057401"/>
+            <a:off x="839790" y="2057401"/>
             <a:ext cx="3932237" cy="3811588"/>
           </a:xfrm>
         </p:spPr>
@@ -2297,35 +2297,35 @@
               <a:buNone/>
               <a:defRPr sz="1600"/>
             </a:lvl1pPr>
-            <a:lvl2pPr marL="457200" indent="0">
+            <a:lvl2pPr marL="457189" indent="0">
               <a:buNone/>
               <a:defRPr sz="1400"/>
             </a:lvl2pPr>
-            <a:lvl3pPr marL="914399" indent="0">
+            <a:lvl3pPr marL="914376" indent="0">
               <a:buNone/>
               <a:defRPr sz="1200"/>
             </a:lvl3pPr>
-            <a:lvl4pPr marL="1371598" indent="0">
+            <a:lvl4pPr marL="1371564" indent="0">
               <a:buNone/>
               <a:defRPr sz="1000"/>
             </a:lvl4pPr>
-            <a:lvl5pPr marL="1828798" indent="0">
+            <a:lvl5pPr marL="1828753" indent="0">
               <a:buNone/>
               <a:defRPr sz="1000"/>
             </a:lvl5pPr>
-            <a:lvl6pPr marL="2285998" indent="0">
+            <a:lvl6pPr marL="2285942" indent="0">
               <a:buNone/>
               <a:defRPr sz="1000"/>
             </a:lvl6pPr>
-            <a:lvl7pPr marL="2743197" indent="0">
+            <a:lvl7pPr marL="2743129" indent="0">
               <a:buNone/>
               <a:defRPr sz="1000"/>
             </a:lvl7pPr>
-            <a:lvl8pPr marL="3200397" indent="0">
+            <a:lvl8pPr marL="3200317" indent="0">
               <a:buNone/>
               <a:defRPr sz="1000"/>
             </a:lvl8pPr>
-            <a:lvl9pPr marL="3657596" indent="0">
+            <a:lvl9pPr marL="3657505" indent="0">
               <a:buNone/>
               <a:defRPr sz="1000"/>
             </a:lvl9pPr>
@@ -2356,7 +2356,7 @@
           <a:p>
             <a:fld id="{10C88F69-760D-4AD8-A0D7-146B62A8692E}" type="datetimeFigureOut">
               <a:rPr lang="pt-BR" smtClean="0"/>
-              <a:t>25/03/2016</a:t>
+              <a:t>02/04/2016</a:t>
             </a:fld>
             <a:endParaRPr lang="pt-BR"/>
           </a:p>
@@ -2451,7 +2451,7 @@
         </p:nvSpPr>
         <p:spPr>
           <a:xfrm>
-            <a:off x="838200" y="365125"/>
+            <a:off x="838200" y="365127"/>
             <a:ext cx="10515600" cy="1325563"/>
           </a:xfrm>
           <a:prstGeom prst="rect">
@@ -2546,7 +2546,7 @@
         </p:nvSpPr>
         <p:spPr>
           <a:xfrm>
-            <a:off x="838200" y="6356351"/>
+            <a:off x="838201" y="6356353"/>
             <a:ext cx="2743201" cy="365125"/>
           </a:xfrm>
           <a:prstGeom prst="rect">
@@ -2569,7 +2569,7 @@
           <a:p>
             <a:fld id="{10C88F69-760D-4AD8-A0D7-146B62A8692E}" type="datetimeFigureOut">
               <a:rPr lang="pt-BR" smtClean="0"/>
-              <a:t>25/03/2016</a:t>
+              <a:t>02/04/2016</a:t>
             </a:fld>
             <a:endParaRPr lang="pt-BR"/>
           </a:p>
@@ -2587,7 +2587,7 @@
         </p:nvSpPr>
         <p:spPr>
           <a:xfrm>
-            <a:off x="4038600" y="6356351"/>
+            <a:off x="4038600" y="6356353"/>
             <a:ext cx="4114800" cy="365125"/>
           </a:xfrm>
           <a:prstGeom prst="rect">
@@ -2624,7 +2624,7 @@
         </p:nvSpPr>
         <p:spPr>
           <a:xfrm>
-            <a:off x="8610600" y="6356351"/>
+            <a:off x="8610601" y="6356353"/>
             <a:ext cx="2743201" cy="365125"/>
           </a:xfrm>
           <a:prstGeom prst="rect">
@@ -2676,7 +2676,7 @@
   </p:sldLayoutIdLst>
   <p:txStyles>
     <p:titleStyle>
-      <a:lvl1pPr algn="l" defTabSz="914399" rtl="0" eaLnBrk="1" latinLnBrk="0" hangingPunct="1">
+      <a:lvl1pPr algn="l" defTabSz="914376" rtl="0" eaLnBrk="1" latinLnBrk="0" hangingPunct="1">
         <a:lnSpc>
           <a:spcPct val="90000"/>
         </a:lnSpc>
@@ -2695,7 +2695,7 @@
       </a:lvl1pPr>
     </p:titleStyle>
     <p:bodyStyle>
-      <a:lvl1pPr marL="228599" indent="-228599" algn="l" defTabSz="914399" rtl="0" eaLnBrk="1" latinLnBrk="0" hangingPunct="1">
+      <a:lvl1pPr marL="228593" indent="-228593" algn="l" defTabSz="914376" rtl="0" eaLnBrk="1" latinLnBrk="0" hangingPunct="1">
         <a:lnSpc>
           <a:spcPct val="90000"/>
         </a:lnSpc>
@@ -2713,7 +2713,7 @@
           <a:cs typeface="+mn-cs"/>
         </a:defRPr>
       </a:lvl1pPr>
-      <a:lvl2pPr marL="685799" indent="-228599" algn="l" defTabSz="914399" rtl="0" eaLnBrk="1" latinLnBrk="0" hangingPunct="1">
+      <a:lvl2pPr marL="685782" indent="-228593" algn="l" defTabSz="914376" rtl="0" eaLnBrk="1" latinLnBrk="0" hangingPunct="1">
         <a:lnSpc>
           <a:spcPct val="90000"/>
         </a:lnSpc>
@@ -2731,7 +2731,7 @@
           <a:cs typeface="+mn-cs"/>
         </a:defRPr>
       </a:lvl2pPr>
-      <a:lvl3pPr marL="1142999" indent="-228599" algn="l" defTabSz="914399" rtl="0" eaLnBrk="1" latinLnBrk="0" hangingPunct="1">
+      <a:lvl3pPr marL="1142970" indent="-228593" algn="l" defTabSz="914376" rtl="0" eaLnBrk="1" latinLnBrk="0" hangingPunct="1">
         <a:lnSpc>
           <a:spcPct val="90000"/>
         </a:lnSpc>
@@ -2749,7 +2749,7 @@
           <a:cs typeface="+mn-cs"/>
         </a:defRPr>
       </a:lvl3pPr>
-      <a:lvl4pPr marL="1600199" indent="-228599" algn="l" defTabSz="914399" rtl="0" eaLnBrk="1" latinLnBrk="0" hangingPunct="1">
+      <a:lvl4pPr marL="1600159" indent="-228593" algn="l" defTabSz="914376" rtl="0" eaLnBrk="1" latinLnBrk="0" hangingPunct="1">
         <a:lnSpc>
           <a:spcPct val="90000"/>
         </a:lnSpc>
@@ -2767,7 +2767,7 @@
           <a:cs typeface="+mn-cs"/>
         </a:defRPr>
       </a:lvl4pPr>
-      <a:lvl5pPr marL="2057398" indent="-228599" algn="l" defTabSz="914399" rtl="0" eaLnBrk="1" latinLnBrk="0" hangingPunct="1">
+      <a:lvl5pPr marL="2057347" indent="-228593" algn="l" defTabSz="914376" rtl="0" eaLnBrk="1" latinLnBrk="0" hangingPunct="1">
         <a:lnSpc>
           <a:spcPct val="90000"/>
         </a:lnSpc>
@@ -2785,7 +2785,7 @@
           <a:cs typeface="+mn-cs"/>
         </a:defRPr>
       </a:lvl5pPr>
-      <a:lvl6pPr marL="2514597" indent="-228599" algn="l" defTabSz="914399" rtl="0" eaLnBrk="1" latinLnBrk="0" hangingPunct="1">
+      <a:lvl6pPr marL="2514534" indent="-228593" algn="l" defTabSz="914376" rtl="0" eaLnBrk="1" latinLnBrk="0" hangingPunct="1">
         <a:lnSpc>
           <a:spcPct val="90000"/>
         </a:lnSpc>
@@ -2803,7 +2803,7 @@
           <a:cs typeface="+mn-cs"/>
         </a:defRPr>
       </a:lvl6pPr>
-      <a:lvl7pPr marL="2971797" indent="-228599" algn="l" defTabSz="914399" rtl="0" eaLnBrk="1" latinLnBrk="0" hangingPunct="1">
+      <a:lvl7pPr marL="2971723" indent="-228593" algn="l" defTabSz="914376" rtl="0" eaLnBrk="1" latinLnBrk="0" hangingPunct="1">
         <a:lnSpc>
           <a:spcPct val="90000"/>
         </a:lnSpc>
@@ -2821,7 +2821,7 @@
           <a:cs typeface="+mn-cs"/>
         </a:defRPr>
       </a:lvl7pPr>
-      <a:lvl8pPr marL="3428997" indent="-228599" algn="l" defTabSz="914399" rtl="0" eaLnBrk="1" latinLnBrk="0" hangingPunct="1">
+      <a:lvl8pPr marL="3428912" indent="-228593" algn="l" defTabSz="914376" rtl="0" eaLnBrk="1" latinLnBrk="0" hangingPunct="1">
         <a:lnSpc>
           <a:spcPct val="90000"/>
         </a:lnSpc>
@@ -2839,7 +2839,7 @@
           <a:cs typeface="+mn-cs"/>
         </a:defRPr>
       </a:lvl8pPr>
-      <a:lvl9pPr marL="3886196" indent="-228599" algn="l" defTabSz="914399" rtl="0" eaLnBrk="1" latinLnBrk="0" hangingPunct="1">
+      <a:lvl9pPr marL="3886099" indent="-228593" algn="l" defTabSz="914376" rtl="0" eaLnBrk="1" latinLnBrk="0" hangingPunct="1">
         <a:lnSpc>
           <a:spcPct val="90000"/>
         </a:lnSpc>
@@ -2862,7 +2862,7 @@
       <a:defPPr>
         <a:defRPr lang="en-US"/>
       </a:defPPr>
-      <a:lvl1pPr marL="0" algn="l" defTabSz="914399" rtl="0" eaLnBrk="1" latinLnBrk="0" hangingPunct="1">
+      <a:lvl1pPr marL="0" algn="l" defTabSz="914376" rtl="0" eaLnBrk="1" latinLnBrk="0" hangingPunct="1">
         <a:defRPr sz="1800" kern="1200">
           <a:solidFill>
             <a:schemeClr val="tx1"/>
@@ -2872,7 +2872,7 @@
           <a:cs typeface="+mn-cs"/>
         </a:defRPr>
       </a:lvl1pPr>
-      <a:lvl2pPr marL="457200" algn="l" defTabSz="914399" rtl="0" eaLnBrk="1" latinLnBrk="0" hangingPunct="1">
+      <a:lvl2pPr marL="457189" algn="l" defTabSz="914376" rtl="0" eaLnBrk="1" latinLnBrk="0" hangingPunct="1">
         <a:defRPr sz="1800" kern="1200">
           <a:solidFill>
             <a:schemeClr val="tx1"/>
@@ -2882,7 +2882,7 @@
           <a:cs typeface="+mn-cs"/>
         </a:defRPr>
       </a:lvl2pPr>
-      <a:lvl3pPr marL="914399" algn="l" defTabSz="914399" rtl="0" eaLnBrk="1" latinLnBrk="0" hangingPunct="1">
+      <a:lvl3pPr marL="914376" algn="l" defTabSz="914376" rtl="0" eaLnBrk="1" latinLnBrk="0" hangingPunct="1">
         <a:defRPr sz="1800" kern="1200">
           <a:solidFill>
             <a:schemeClr val="tx1"/>
@@ -2892,7 +2892,7 @@
           <a:cs typeface="+mn-cs"/>
         </a:defRPr>
       </a:lvl3pPr>
-      <a:lvl4pPr marL="1371598" algn="l" defTabSz="914399" rtl="0" eaLnBrk="1" latinLnBrk="0" hangingPunct="1">
+      <a:lvl4pPr marL="1371564" algn="l" defTabSz="914376" rtl="0" eaLnBrk="1" latinLnBrk="0" hangingPunct="1">
         <a:defRPr sz="1800" kern="1200">
           <a:solidFill>
             <a:schemeClr val="tx1"/>
@@ -2902,7 +2902,7 @@
           <a:cs typeface="+mn-cs"/>
         </a:defRPr>
       </a:lvl4pPr>
-      <a:lvl5pPr marL="1828798" algn="l" defTabSz="914399" rtl="0" eaLnBrk="1" latinLnBrk="0" hangingPunct="1">
+      <a:lvl5pPr marL="1828753" algn="l" defTabSz="914376" rtl="0" eaLnBrk="1" latinLnBrk="0" hangingPunct="1">
         <a:defRPr sz="1800" kern="1200">
           <a:solidFill>
             <a:schemeClr val="tx1"/>
@@ -2912,7 +2912,7 @@
           <a:cs typeface="+mn-cs"/>
         </a:defRPr>
       </a:lvl5pPr>
-      <a:lvl6pPr marL="2285998" algn="l" defTabSz="914399" rtl="0" eaLnBrk="1" latinLnBrk="0" hangingPunct="1">
+      <a:lvl6pPr marL="2285942" algn="l" defTabSz="914376" rtl="0" eaLnBrk="1" latinLnBrk="0" hangingPunct="1">
         <a:defRPr sz="1800" kern="1200">
           <a:solidFill>
             <a:schemeClr val="tx1"/>
@@ -2922,7 +2922,7 @@
           <a:cs typeface="+mn-cs"/>
         </a:defRPr>
       </a:lvl6pPr>
-      <a:lvl7pPr marL="2743197" algn="l" defTabSz="914399" rtl="0" eaLnBrk="1" latinLnBrk="0" hangingPunct="1">
+      <a:lvl7pPr marL="2743129" algn="l" defTabSz="914376" rtl="0" eaLnBrk="1" latinLnBrk="0" hangingPunct="1">
         <a:defRPr sz="1800" kern="1200">
           <a:solidFill>
             <a:schemeClr val="tx1"/>
@@ -2932,7 +2932,7 @@
           <a:cs typeface="+mn-cs"/>
         </a:defRPr>
       </a:lvl7pPr>
-      <a:lvl8pPr marL="3200397" algn="l" defTabSz="914399" rtl="0" eaLnBrk="1" latinLnBrk="0" hangingPunct="1">
+      <a:lvl8pPr marL="3200317" algn="l" defTabSz="914376" rtl="0" eaLnBrk="1" latinLnBrk="0" hangingPunct="1">
         <a:defRPr sz="1800" kern="1200">
           <a:solidFill>
             <a:schemeClr val="tx1"/>
@@ -2942,7 +2942,7 @@
           <a:cs typeface="+mn-cs"/>
         </a:defRPr>
       </a:lvl8pPr>
-      <a:lvl9pPr marL="3657596" algn="l" defTabSz="914399" rtl="0" eaLnBrk="1" latinLnBrk="0" hangingPunct="1">
+      <a:lvl9pPr marL="3657505" algn="l" defTabSz="914376" rtl="0" eaLnBrk="1" latinLnBrk="0" hangingPunct="1">
         <a:defRPr sz="1800" kern="1200">
           <a:solidFill>
             <a:schemeClr val="tx1"/>
@@ -2990,8 +2990,8 @@
         </p:nvSpPr>
         <p:spPr>
           <a:xfrm>
-            <a:off x="821635" y="2805457"/>
-            <a:ext cx="10508974" cy="1269608"/>
+            <a:off x="821641" y="2805457"/>
+            <a:ext cx="10508975" cy="1269608"/>
           </a:xfrm>
           <a:prstGeom prst="rect">
             <a:avLst/>
@@ -3029,8 +3029,8 @@
         </p:nvSpPr>
         <p:spPr>
           <a:xfrm>
-            <a:off x="1474989" y="3064914"/>
-            <a:ext cx="1392214" cy="765700"/>
+            <a:off x="1474995" y="3064921"/>
+            <a:ext cx="1392215" cy="765700"/>
           </a:xfrm>
           <a:prstGeom prst="roundRect">
             <a:avLst/>
@@ -3075,7 +3075,7 @@
         </p:nvSpPr>
         <p:spPr>
           <a:xfrm>
-            <a:off x="3814787" y="3049568"/>
+            <a:off x="3814794" y="3049575"/>
             <a:ext cx="1629639" cy="796391"/>
           </a:xfrm>
           <a:prstGeom prst="roundRect">
@@ -3122,7 +3122,7 @@
         <p:spPr>
           <a:xfrm>
             <a:off x="3074504" y="592436"/>
-            <a:ext cx="5592418" cy="1259888"/>
+            <a:ext cx="5592419" cy="1259888"/>
           </a:xfrm>
           <a:prstGeom prst="rect">
             <a:avLst/>
@@ -3160,8 +3160,8 @@
         </p:nvSpPr>
         <p:spPr>
           <a:xfrm>
-            <a:off x="3104110" y="5016843"/>
-            <a:ext cx="5562812" cy="1216542"/>
+            <a:off x="3104117" y="5016849"/>
+            <a:ext cx="5562812" cy="1216543"/>
           </a:xfrm>
           <a:prstGeom prst="rect">
             <a:avLst/>
@@ -3199,8 +3199,8 @@
         </p:nvSpPr>
         <p:spPr>
           <a:xfrm>
-            <a:off x="1097286" y="2117935"/>
-            <a:ext cx="1420486" cy="277160"/>
+            <a:off x="1097291" y="2117936"/>
+            <a:ext cx="1420487" cy="276999"/>
           </a:xfrm>
           <a:prstGeom prst="rect">
             <a:avLst/>
@@ -3231,8 +3231,8 @@
         </p:nvSpPr>
         <p:spPr>
           <a:xfrm>
-            <a:off x="1817075" y="4984878"/>
-            <a:ext cx="1151807" cy="461889"/>
+            <a:off x="1817082" y="4984879"/>
+            <a:ext cx="1151807" cy="461665"/>
           </a:xfrm>
           <a:prstGeom prst="rect">
             <a:avLst/>
@@ -3263,7 +3263,7 @@
         </p:nvSpPr>
         <p:spPr>
           <a:xfrm>
-            <a:off x="4467775" y="1959108"/>
+            <a:off x="4467775" y="1959115"/>
             <a:ext cx="1873304" cy="830997"/>
           </a:xfrm>
           <a:prstGeom prst="rect">
@@ -3296,7 +3296,7 @@
         </p:nvSpPr>
         <p:spPr>
           <a:xfrm rot="19124833">
-            <a:off x="2542648" y="2246558"/>
+            <a:off x="2542648" y="2246559"/>
             <a:ext cx="810000" cy="135000"/>
           </a:xfrm>
           <a:prstGeom prst="leftArrow">
@@ -3376,7 +3376,7 @@
         </p:nvSpPr>
         <p:spPr>
           <a:xfrm>
-            <a:off x="4053810" y="1996667"/>
+            <a:off x="4053811" y="1996673"/>
             <a:ext cx="135000" cy="693900"/>
           </a:xfrm>
           <a:prstGeom prst="upArrow">
@@ -3416,7 +3416,7 @@
         </p:nvSpPr>
         <p:spPr>
           <a:xfrm rot="13828140">
-            <a:off x="8315724" y="2233230"/>
+            <a:off x="8315724" y="2233231"/>
             <a:ext cx="810000" cy="135000"/>
           </a:xfrm>
           <a:prstGeom prst="leftArrow">
@@ -3456,7 +3456,7 @@
         </p:nvSpPr>
         <p:spPr>
           <a:xfrm rot="13828140">
-            <a:off x="2193657" y="4648846"/>
+            <a:off x="2193657" y="4648847"/>
             <a:ext cx="810000" cy="135000"/>
           </a:xfrm>
           <a:prstGeom prst="leftArrow">
@@ -3536,7 +3536,7 @@
         </p:nvSpPr>
         <p:spPr>
           <a:xfrm rot="16200000">
-            <a:off x="3884119" y="4505510"/>
+            <a:off x="3884119" y="4505511"/>
             <a:ext cx="694512" cy="135000"/>
           </a:xfrm>
           <a:prstGeom prst="leftArrow">
@@ -3576,7 +3576,7 @@
         </p:nvSpPr>
         <p:spPr>
           <a:xfrm>
-            <a:off x="3926599" y="4216759"/>
+            <a:off x="3926599" y="4216765"/>
             <a:ext cx="135000" cy="693900"/>
           </a:xfrm>
           <a:prstGeom prst="upArrow">
@@ -3616,7 +3616,7 @@
         </p:nvSpPr>
         <p:spPr>
           <a:xfrm rot="18829417">
-            <a:off x="8364255" y="4417926"/>
+            <a:off x="8364255" y="4417927"/>
             <a:ext cx="810000" cy="135000"/>
           </a:xfrm>
           <a:prstGeom prst="leftArrow">
@@ -3710,8 +3710,8 @@
         </p:blipFill>
         <p:spPr>
           <a:xfrm>
-            <a:off x="4304668" y="752534"/>
-            <a:ext cx="810442" cy="839820"/>
+            <a:off x="4304668" y="752541"/>
+            <a:ext cx="810443" cy="839820"/>
           </a:xfrm>
           <a:prstGeom prst="rect">
             <a:avLst/>
@@ -3726,8 +3726,8 @@
         </p:nvSpPr>
         <p:spPr>
           <a:xfrm>
-            <a:off x="4194845" y="1555331"/>
-            <a:ext cx="1219874" cy="277160"/>
+            <a:off x="4194851" y="1555331"/>
+            <a:ext cx="1218603" cy="276999"/>
           </a:xfrm>
           <a:prstGeom prst="rect">
             <a:avLst/>
@@ -3772,8 +3772,8 @@
         </p:blipFill>
         <p:spPr>
           <a:xfrm>
-            <a:off x="6357502" y="759456"/>
-            <a:ext cx="723372" cy="829726"/>
+            <a:off x="6357509" y="759462"/>
+            <a:ext cx="723372" cy="829727"/>
           </a:xfrm>
           <a:prstGeom prst="rect">
             <a:avLst/>
@@ -3788,8 +3788,8 @@
         </p:nvSpPr>
         <p:spPr>
           <a:xfrm>
-            <a:off x="6101148" y="1499228"/>
-            <a:ext cx="1478226" cy="277160"/>
+            <a:off x="6101925" y="1499229"/>
+            <a:ext cx="1476686" cy="276999"/>
           </a:xfrm>
           <a:prstGeom prst="rect">
             <a:avLst/>
@@ -3835,7 +3835,7 @@
         </p:blipFill>
         <p:spPr>
           <a:xfrm>
-            <a:off x="5683880" y="5090488"/>
+            <a:off x="5683886" y="5090494"/>
             <a:ext cx="609540" cy="724201"/>
           </a:xfrm>
           <a:prstGeom prst="rect">
@@ -3851,8 +3851,8 @@
         </p:nvSpPr>
         <p:spPr>
           <a:xfrm>
-            <a:off x="5412774" y="5833253"/>
-            <a:ext cx="1282456" cy="277160"/>
+            <a:off x="5413449" y="5833254"/>
+            <a:ext cx="1281120" cy="276999"/>
           </a:xfrm>
           <a:prstGeom prst="rect">
             <a:avLst/>
@@ -3884,7 +3884,7 @@
         </p:nvSpPr>
         <p:spPr>
           <a:xfrm rot="16200000">
-            <a:off x="6364550" y="2343959"/>
+            <a:off x="6364551" y="2343959"/>
             <a:ext cx="694512" cy="135000"/>
           </a:xfrm>
           <a:prstGeom prst="leftArrow">
@@ -3924,7 +3924,7 @@
         </p:nvSpPr>
         <p:spPr>
           <a:xfrm>
-            <a:off x="6425806" y="2033386"/>
+            <a:off x="6425807" y="2033393"/>
             <a:ext cx="135000" cy="693900"/>
           </a:xfrm>
           <a:prstGeom prst="upArrow">
@@ -4004,7 +4004,7 @@
         </p:nvSpPr>
         <p:spPr>
           <a:xfrm>
-            <a:off x="6559604" y="4163683"/>
+            <a:off x="6559604" y="4163689"/>
             <a:ext cx="135000" cy="693900"/>
           </a:xfrm>
           <a:prstGeom prst="upArrow">
@@ -4044,7 +4044,7 @@
         </p:nvSpPr>
         <p:spPr>
           <a:xfrm>
-            <a:off x="4407749" y="4326072"/>
+            <a:off x="4407749" y="4326078"/>
             <a:ext cx="1612680" cy="461665"/>
           </a:xfrm>
           <a:prstGeom prst="rect">
@@ -4087,7 +4087,7 @@
         </p:nvSpPr>
         <p:spPr>
           <a:xfrm>
-            <a:off x="5967634" y="3046194"/>
+            <a:off x="5967641" y="3046195"/>
             <a:ext cx="1503108" cy="770288"/>
           </a:xfrm>
           <a:prstGeom prst="roundRect">
@@ -4133,7 +4133,7 @@
         </p:nvSpPr>
         <p:spPr>
           <a:xfrm>
-            <a:off x="8976764" y="1742440"/>
+            <a:off x="8976770" y="1742448"/>
             <a:ext cx="1796273" cy="830997"/>
           </a:xfrm>
           <a:prstGeom prst="rect">
@@ -4166,8 +4166,8 @@
         </p:nvSpPr>
         <p:spPr>
           <a:xfrm>
-            <a:off x="6984052" y="4187323"/>
-            <a:ext cx="1227715" cy="646620"/>
+            <a:off x="6984053" y="4187329"/>
+            <a:ext cx="1227715" cy="646331"/>
           </a:xfrm>
           <a:prstGeom prst="rect">
             <a:avLst/>
@@ -4199,7 +4199,7 @@
         </p:nvSpPr>
         <p:spPr>
           <a:xfrm>
-            <a:off x="8437578" y="3026245"/>
+            <a:off x="8437585" y="3026245"/>
             <a:ext cx="1503108" cy="770288"/>
           </a:xfrm>
           <a:prstGeom prst="roundRect">
@@ -4245,7 +4245,7 @@
         </p:nvSpPr>
         <p:spPr>
           <a:xfrm>
-            <a:off x="6975782" y="2199232"/>
+            <a:off x="6975789" y="2199238"/>
             <a:ext cx="1350372" cy="461665"/>
           </a:xfrm>
           <a:prstGeom prst="rect">
@@ -4278,7 +4278,7 @@
         </p:nvSpPr>
         <p:spPr>
           <a:xfrm>
-            <a:off x="9071265" y="4583310"/>
+            <a:off x="9071271" y="4583317"/>
             <a:ext cx="1350372" cy="646331"/>
           </a:xfrm>
           <a:prstGeom prst="rect">

--- a/TCC - Documento/Prototipos/Apresentação1.pptx
+++ b/TCC - Documento/Prototipos/Apresentação1.pptx
@@ -2990,8 +2990,8 @@
         </p:nvSpPr>
         <p:spPr>
           <a:xfrm>
-            <a:off x="821641" y="2805457"/>
-            <a:ext cx="10508975" cy="1269608"/>
+            <a:off x="821642" y="2805457"/>
+            <a:ext cx="10005384" cy="1269608"/>
           </a:xfrm>
           <a:prstGeom prst="rect">
             <a:avLst/>
@@ -3029,7 +3029,7 @@
         </p:nvSpPr>
         <p:spPr>
           <a:xfrm>
-            <a:off x="1474995" y="3064921"/>
+            <a:off x="1567193" y="3062146"/>
             <a:ext cx="1392215" cy="765700"/>
           </a:xfrm>
           <a:prstGeom prst="roundRect">
@@ -3193,14 +3193,14 @@
       </p:sp>
       <p:sp>
         <p:nvSpPr>
-          <p:cNvPr id="52" name="CaixaDeTexto 51"/>
+          <p:cNvPr id="53" name="CaixaDeTexto 52"/>
           <p:cNvSpPr txBox="1"/>
           <p:nvPr/>
         </p:nvSpPr>
         <p:spPr>
           <a:xfrm>
-            <a:off x="1097291" y="2117936"/>
-            <a:ext cx="1420487" cy="276999"/>
+            <a:off x="1213873" y="2022440"/>
+            <a:ext cx="1434786" cy="461665"/>
           </a:xfrm>
           <a:prstGeom prst="rect">
             <a:avLst/>
@@ -3218,21 +3218,21 @@
                 <a:latin typeface="Times New Roman" panose="02020603050405020304" pitchFamily="18" charset="0"/>
                 <a:cs typeface="Times New Roman" panose="02020603050405020304" pitchFamily="18" charset="0"/>
               </a:rPr>
-              <a:t>Upload de arquivos</a:t>
-            </a:r>
-          </a:p>
-        </p:txBody>
-      </p:sp>
-      <p:sp>
-        <p:nvSpPr>
-          <p:cNvPr id="53" name="CaixaDeTexto 52"/>
+              <a:t>Download e Upload de arquivos</a:t>
+            </a:r>
+          </a:p>
+        </p:txBody>
+      </p:sp>
+      <p:sp>
+        <p:nvSpPr>
+          <p:cNvPr id="56" name="CaixaDeTexto 55"/>
           <p:cNvSpPr txBox="1"/>
           <p:nvPr/>
         </p:nvSpPr>
         <p:spPr>
           <a:xfrm>
-            <a:off x="1817082" y="4984879"/>
-            <a:ext cx="1151807" cy="461665"/>
+            <a:off x="4467775" y="1959115"/>
+            <a:ext cx="1873304" cy="830997"/>
           </a:xfrm>
           <a:prstGeom prst="rect">
             <a:avLst/>
@@ -3245,45 +3245,13 @@
           </a:bodyPr>
           <a:lstStyle/>
           <a:p>
+            <a:pPr algn="just"/>
             <a:r>
               <a:rPr lang="pt-BR" sz="1200" dirty="0">
                 <a:latin typeface="Times New Roman" panose="02020603050405020304" pitchFamily="18" charset="0"/>
                 <a:cs typeface="Times New Roman" panose="02020603050405020304" pitchFamily="18" charset="0"/>
               </a:rPr>
-              <a:t>Download de arquivos</a:t>
-            </a:r>
-          </a:p>
-        </p:txBody>
-      </p:sp>
-      <p:sp>
-        <p:nvSpPr>
-          <p:cNvPr id="56" name="CaixaDeTexto 55"/>
-          <p:cNvSpPr txBox="1"/>
-          <p:nvPr/>
-        </p:nvSpPr>
-        <p:spPr>
-          <a:xfrm>
-            <a:off x="4467775" y="1959115"/>
-            <a:ext cx="1873304" cy="830997"/>
-          </a:xfrm>
-          <a:prstGeom prst="rect">
-            <a:avLst/>
-          </a:prstGeom>
-          <a:noFill/>
-        </p:spPr>
-        <p:txBody>
-          <a:bodyPr wrap="square" rtlCol="0">
-            <a:spAutoFit/>
-          </a:bodyPr>
-          <a:lstStyle/>
-          <a:p>
-            <a:pPr algn="just"/>
-            <a:r>
-              <a:rPr lang="pt-BR" sz="1200" dirty="0">
-                <a:latin typeface="Times New Roman" panose="02020603050405020304" pitchFamily="18" charset="0"/>
-                <a:cs typeface="Times New Roman" panose="02020603050405020304" pitchFamily="18" charset="0"/>
-              </a:rPr>
-              <a:t>Cadastro de perguntas e criação de  testes, enviar testes a um grupo e  consulta de resultados.</a:t>
+              <a:t>Cadastro de perguntas e criação de  testes, enviar testes a um grupo e  consultar resultados.</a:t>
             </a:r>
           </a:p>
         </p:txBody>
@@ -4045,7 +4013,7 @@
         <p:spPr>
           <a:xfrm>
             <a:off x="4407749" y="4326078"/>
-            <a:ext cx="1612680" cy="461665"/>
+            <a:ext cx="1612680" cy="646331"/>
           </a:xfrm>
           <a:prstGeom prst="rect">
             <a:avLst/>
@@ -4064,7 +4032,7 @@
                 <a:latin typeface="Times New Roman" panose="02020603050405020304" pitchFamily="18" charset="0"/>
                 <a:cs typeface="Times New Roman" panose="02020603050405020304" pitchFamily="18" charset="0"/>
               </a:rPr>
-              <a:t>Resposta de testes e</a:t>
+              <a:t>Responder testes, visualizar resolução e</a:t>
             </a:r>
           </a:p>
           <a:p>
@@ -4087,7 +4055,7 @@
         </p:nvSpPr>
         <p:spPr>
           <a:xfrm>
-            <a:off x="5967641" y="3046195"/>
+            <a:off x="6107850" y="3045534"/>
             <a:ext cx="1503108" cy="770288"/>
           </a:xfrm>
           <a:prstGeom prst="roundRect">
@@ -4133,8 +4101,8 @@
         </p:nvSpPr>
         <p:spPr>
           <a:xfrm>
-            <a:off x="8976770" y="1742448"/>
-            <a:ext cx="1796273" cy="830997"/>
+            <a:off x="9030567" y="1862196"/>
+            <a:ext cx="1996030" cy="830997"/>
           </a:xfrm>
           <a:prstGeom prst="rect">
             <a:avLst/>
@@ -4153,7 +4121,7 @@
                 <a:latin typeface="Times New Roman" panose="02020603050405020304" pitchFamily="18" charset="0"/>
                 <a:cs typeface="Times New Roman" panose="02020603050405020304" pitchFamily="18" charset="0"/>
               </a:rPr>
-              <a:t>Criar turmas, fazer chamada, enviar notas, adicionar alunos, gerenciar horários. </a:t>
+              <a:t>Criar turmas, fazer chamada, enviar notas, adicionar alunos, gerenciar horários, visualizar desempenho. </a:t>
             </a:r>
           </a:p>
         </p:txBody>
@@ -4167,7 +4135,7 @@
         <p:spPr>
           <a:xfrm>
             <a:off x="6984053" y="4187329"/>
-            <a:ext cx="1227715" cy="646331"/>
+            <a:ext cx="1313175" cy="646331"/>
           </a:xfrm>
           <a:prstGeom prst="rect">
             <a:avLst/>
@@ -4186,7 +4154,7 @@
                 <a:latin typeface="Times New Roman" panose="02020603050405020304" pitchFamily="18" charset="0"/>
                 <a:cs typeface="Times New Roman" panose="02020603050405020304" pitchFamily="18" charset="0"/>
               </a:rPr>
-              <a:t>Participa de grupo, cria e comenta tópicos</a:t>
+              <a:t>Participa de grupos, cria e comentar tópicos</a:t>
             </a:r>
           </a:p>
         </p:txBody>
@@ -4245,8 +4213,8 @@
         </p:nvSpPr>
         <p:spPr>
           <a:xfrm>
-            <a:off x="6975789" y="2199238"/>
-            <a:ext cx="1350372" cy="461665"/>
+            <a:off x="6903425" y="1974460"/>
+            <a:ext cx="1507456" cy="830997"/>
           </a:xfrm>
           <a:prstGeom prst="rect">
             <a:avLst/>
@@ -4265,7 +4233,7 @@
                 <a:latin typeface="Times New Roman" panose="02020603050405020304" pitchFamily="18" charset="0"/>
                 <a:cs typeface="Times New Roman" panose="02020603050405020304" pitchFamily="18" charset="0"/>
               </a:rPr>
-              <a:t>Criar grupo, criar e comentar tópicos </a:t>
+              <a:t>Criar grupo, criar e comentar tópicos, adicionar alunos e aceitar solicitações</a:t>
             </a:r>
           </a:p>
         </p:txBody>
@@ -4279,7 +4247,7 @@
         <p:spPr>
           <a:xfrm>
             <a:off x="9071271" y="4583317"/>
-            <a:ext cx="1350372" cy="646331"/>
+            <a:ext cx="1616910" cy="461665"/>
           </a:xfrm>
           <a:prstGeom prst="rect">
             <a:avLst/>
@@ -4299,6 +4267,78 @@
                 <a:cs typeface="Times New Roman" panose="02020603050405020304" pitchFamily="18" charset="0"/>
               </a:rPr>
               <a:t>Visualizar notas, frequências e horários. </a:t>
+            </a:r>
+          </a:p>
+        </p:txBody>
+      </p:sp>
+      <p:sp>
+        <p:nvSpPr>
+          <p:cNvPr id="37" name="Seta para cima 64"/>
+          <p:cNvSpPr/>
+          <p:nvPr/>
+        </p:nvSpPr>
+        <p:spPr>
+          <a:xfrm rot="2905217">
+            <a:off x="2990763" y="2001636"/>
+            <a:ext cx="135000" cy="810000"/>
+          </a:xfrm>
+          <a:prstGeom prst="upArrow">
+            <a:avLst/>
+          </a:prstGeom>
+        </p:spPr>
+        <p:style>
+          <a:lnRef idx="2">
+            <a:schemeClr val="accent1">
+              <a:shade val="50000"/>
+            </a:schemeClr>
+          </a:lnRef>
+          <a:fillRef idx="1">
+            <a:schemeClr val="accent1"/>
+          </a:fillRef>
+          <a:effectRef idx="0">
+            <a:schemeClr val="accent1"/>
+          </a:effectRef>
+          <a:fontRef idx="minor">
+            <a:schemeClr val="lt1"/>
+          </a:fontRef>
+        </p:style>
+        <p:txBody>
+          <a:bodyPr rtlCol="0" anchor="ctr"/>
+          <a:lstStyle/>
+          <a:p>
+            <a:pPr algn="ctr"/>
+            <a:endParaRPr lang="pt-BR" sz="1352"/>
+          </a:p>
+        </p:txBody>
+      </p:sp>
+      <p:sp>
+        <p:nvSpPr>
+          <p:cNvPr id="38" name="CaixaDeTexto 37"/>
+          <p:cNvSpPr txBox="1"/>
+          <p:nvPr/>
+        </p:nvSpPr>
+        <p:spPr>
+          <a:xfrm>
+            <a:off x="1392746" y="5035956"/>
+            <a:ext cx="1434786" cy="461665"/>
+          </a:xfrm>
+          <a:prstGeom prst="rect">
+            <a:avLst/>
+          </a:prstGeom>
+          <a:noFill/>
+        </p:spPr>
+        <p:txBody>
+          <a:bodyPr wrap="square" rtlCol="0">
+            <a:spAutoFit/>
+          </a:bodyPr>
+          <a:lstStyle/>
+          <a:p>
+            <a:r>
+              <a:rPr lang="pt-BR" sz="1200" dirty="0">
+                <a:latin typeface="Times New Roman" panose="02020603050405020304" pitchFamily="18" charset="0"/>
+                <a:cs typeface="Times New Roman" panose="02020603050405020304" pitchFamily="18" charset="0"/>
+              </a:rPr>
+              <a:t>Download e Upload de arquivos</a:t>
             </a:r>
           </a:p>
         </p:txBody>

--- a/TCC - Documento/Prototipos/Apresentação1.pptx
+++ b/TCC - Documento/Prototipos/Apresentação1.pptx
@@ -244,7 +244,7 @@
           <a:p>
             <a:fld id="{10C88F69-760D-4AD8-A0D7-146B62A8692E}" type="datetimeFigureOut">
               <a:rPr lang="pt-BR" smtClean="0"/>
-              <a:t>02/04/2016</a:t>
+              <a:t>23/05/2016</a:t>
             </a:fld>
             <a:endParaRPr lang="pt-BR"/>
           </a:p>
@@ -414,7 +414,7 @@
           <a:p>
             <a:fld id="{10C88F69-760D-4AD8-A0D7-146B62A8692E}" type="datetimeFigureOut">
               <a:rPr lang="pt-BR" smtClean="0"/>
-              <a:t>02/04/2016</a:t>
+              <a:t>23/05/2016</a:t>
             </a:fld>
             <a:endParaRPr lang="pt-BR"/>
           </a:p>
@@ -594,7 +594,7 @@
           <a:p>
             <a:fld id="{10C88F69-760D-4AD8-A0D7-146B62A8692E}" type="datetimeFigureOut">
               <a:rPr lang="pt-BR" smtClean="0"/>
-              <a:t>02/04/2016</a:t>
+              <a:t>23/05/2016</a:t>
             </a:fld>
             <a:endParaRPr lang="pt-BR"/>
           </a:p>
@@ -764,7 +764,7 @@
           <a:p>
             <a:fld id="{10C88F69-760D-4AD8-A0D7-146B62A8692E}" type="datetimeFigureOut">
               <a:rPr lang="pt-BR" smtClean="0"/>
-              <a:t>02/04/2016</a:t>
+              <a:t>23/05/2016</a:t>
             </a:fld>
             <a:endParaRPr lang="pt-BR"/>
           </a:p>
@@ -1010,7 +1010,7 @@
           <a:p>
             <a:fld id="{10C88F69-760D-4AD8-A0D7-146B62A8692E}" type="datetimeFigureOut">
               <a:rPr lang="pt-BR" smtClean="0"/>
-              <a:t>02/04/2016</a:t>
+              <a:t>23/05/2016</a:t>
             </a:fld>
             <a:endParaRPr lang="pt-BR"/>
           </a:p>
@@ -1242,7 +1242,7 @@
           <a:p>
             <a:fld id="{10C88F69-760D-4AD8-A0D7-146B62A8692E}" type="datetimeFigureOut">
               <a:rPr lang="pt-BR" smtClean="0"/>
-              <a:t>02/04/2016</a:t>
+              <a:t>23/05/2016</a:t>
             </a:fld>
             <a:endParaRPr lang="pt-BR"/>
           </a:p>
@@ -1609,7 +1609,7 @@
           <a:p>
             <a:fld id="{10C88F69-760D-4AD8-A0D7-146B62A8692E}" type="datetimeFigureOut">
               <a:rPr lang="pt-BR" smtClean="0"/>
-              <a:t>02/04/2016</a:t>
+              <a:t>23/05/2016</a:t>
             </a:fld>
             <a:endParaRPr lang="pt-BR"/>
           </a:p>
@@ -1727,7 +1727,7 @@
           <a:p>
             <a:fld id="{10C88F69-760D-4AD8-A0D7-146B62A8692E}" type="datetimeFigureOut">
               <a:rPr lang="pt-BR" smtClean="0"/>
-              <a:t>02/04/2016</a:t>
+              <a:t>23/05/2016</a:t>
             </a:fld>
             <a:endParaRPr lang="pt-BR"/>
           </a:p>
@@ -1822,7 +1822,7 @@
           <a:p>
             <a:fld id="{10C88F69-760D-4AD8-A0D7-146B62A8692E}" type="datetimeFigureOut">
               <a:rPr lang="pt-BR" smtClean="0"/>
-              <a:t>02/04/2016</a:t>
+              <a:t>23/05/2016</a:t>
             </a:fld>
             <a:endParaRPr lang="pt-BR"/>
           </a:p>
@@ -2099,7 +2099,7 @@
           <a:p>
             <a:fld id="{10C88F69-760D-4AD8-A0D7-146B62A8692E}" type="datetimeFigureOut">
               <a:rPr lang="pt-BR" smtClean="0"/>
-              <a:t>02/04/2016</a:t>
+              <a:t>23/05/2016</a:t>
             </a:fld>
             <a:endParaRPr lang="pt-BR"/>
           </a:p>
@@ -2356,7 +2356,7 @@
           <a:p>
             <a:fld id="{10C88F69-760D-4AD8-A0D7-146B62A8692E}" type="datetimeFigureOut">
               <a:rPr lang="pt-BR" smtClean="0"/>
-              <a:t>02/04/2016</a:t>
+              <a:t>23/05/2016</a:t>
             </a:fld>
             <a:endParaRPr lang="pt-BR"/>
           </a:p>
@@ -2569,7 +2569,7 @@
           <a:p>
             <a:fld id="{10C88F69-760D-4AD8-A0D7-146B62A8692E}" type="datetimeFigureOut">
               <a:rPr lang="pt-BR" smtClean="0"/>
-              <a:t>02/04/2016</a:t>
+              <a:t>23/05/2016</a:t>
             </a:fld>
             <a:endParaRPr lang="pt-BR"/>
           </a:p>
@@ -3384,7 +3384,7 @@
         </p:nvSpPr>
         <p:spPr>
           <a:xfrm rot="13828140">
-            <a:off x="8315724" y="2233231"/>
+            <a:off x="8302472" y="2272987"/>
             <a:ext cx="810000" cy="135000"/>
           </a:xfrm>
           <a:prstGeom prst="leftArrow">
@@ -4101,7 +4101,7 @@
         </p:nvSpPr>
         <p:spPr>
           <a:xfrm>
-            <a:off x="9030567" y="1862196"/>
+            <a:off x="9071271" y="1862196"/>
             <a:ext cx="1996030" cy="830997"/>
           </a:xfrm>
           <a:prstGeom prst="rect">
@@ -4121,7 +4121,7 @@
                 <a:latin typeface="Times New Roman" panose="02020603050405020304" pitchFamily="18" charset="0"/>
                 <a:cs typeface="Times New Roman" panose="02020603050405020304" pitchFamily="18" charset="0"/>
               </a:rPr>
-              <a:t>Criar turmas, fazer chamada, enviar notas, adicionar alunos, gerenciar horários, visualizar desempenho. </a:t>
+              <a:t>Criar turmas, fazer chamada, enviar notas, adicionar alunos, gerenciar horários, visualizar frequências. </a:t>
             </a:r>
           </a:p>
         </p:txBody>
@@ -4340,6 +4340,46 @@
               </a:rPr>
               <a:t>Download e Upload de arquivos</a:t>
             </a:r>
+          </a:p>
+        </p:txBody>
+      </p:sp>
+      <p:sp>
+        <p:nvSpPr>
+          <p:cNvPr id="39" name="Seta para cima 64"/>
+          <p:cNvSpPr/>
+          <p:nvPr/>
+        </p:nvSpPr>
+        <p:spPr>
+          <a:xfrm rot="19180996">
+            <a:off x="8751037" y="1844526"/>
+            <a:ext cx="135000" cy="810000"/>
+          </a:xfrm>
+          <a:prstGeom prst="upArrow">
+            <a:avLst/>
+          </a:prstGeom>
+        </p:spPr>
+        <p:style>
+          <a:lnRef idx="2">
+            <a:schemeClr val="accent1">
+              <a:shade val="50000"/>
+            </a:schemeClr>
+          </a:lnRef>
+          <a:fillRef idx="1">
+            <a:schemeClr val="accent1"/>
+          </a:fillRef>
+          <a:effectRef idx="0">
+            <a:schemeClr val="accent1"/>
+          </a:effectRef>
+          <a:fontRef idx="minor">
+            <a:schemeClr val="lt1"/>
+          </a:fontRef>
+        </p:style>
+        <p:txBody>
+          <a:bodyPr rtlCol="0" anchor="ctr"/>
+          <a:lstStyle/>
+          <a:p>
+            <a:pPr algn="ctr"/>
+            <a:endParaRPr lang="pt-BR" sz="1352"/>
           </a:p>
         </p:txBody>
       </p:sp>
